--- a/Brewery Establishment Analysis.pptx
+++ b/Brewery Establishment Analysis.pptx
@@ -5,35 +5,33 @@
     <p:sldMasterId id="2147483648" r:id="rId1"/>
   </p:sldMasterIdLst>
   <p:notesMasterIdLst>
-    <p:notesMasterId r:id="rId25"/>
+    <p:notesMasterId r:id="rId23"/>
   </p:notesMasterIdLst>
   <p:handoutMasterIdLst>
-    <p:handoutMasterId r:id="rId26"/>
+    <p:handoutMasterId r:id="rId24"/>
   </p:handoutMasterIdLst>
   <p:sldIdLst>
     <p:sldId id="257" r:id="rId2"/>
     <p:sldId id="258" r:id="rId3"/>
     <p:sldId id="270" r:id="rId4"/>
-    <p:sldId id="279" r:id="rId5"/>
-    <p:sldId id="259" r:id="rId6"/>
-    <p:sldId id="271" r:id="rId7"/>
-    <p:sldId id="272" r:id="rId8"/>
-    <p:sldId id="273" r:id="rId9"/>
-    <p:sldId id="274" r:id="rId10"/>
-    <p:sldId id="275" r:id="rId11"/>
-    <p:sldId id="276" r:id="rId12"/>
-    <p:sldId id="277" r:id="rId13"/>
-    <p:sldId id="278" r:id="rId14"/>
-    <p:sldId id="260" r:id="rId15"/>
-    <p:sldId id="261" r:id="rId16"/>
-    <p:sldId id="262" r:id="rId17"/>
-    <p:sldId id="263" r:id="rId18"/>
-    <p:sldId id="264" r:id="rId19"/>
-    <p:sldId id="265" r:id="rId20"/>
-    <p:sldId id="266" r:id="rId21"/>
-    <p:sldId id="267" r:id="rId22"/>
-    <p:sldId id="268" r:id="rId23"/>
-    <p:sldId id="269" r:id="rId24"/>
+    <p:sldId id="259" r:id="rId5"/>
+    <p:sldId id="271" r:id="rId6"/>
+    <p:sldId id="273" r:id="rId7"/>
+    <p:sldId id="274" r:id="rId8"/>
+    <p:sldId id="275" r:id="rId9"/>
+    <p:sldId id="276" r:id="rId10"/>
+    <p:sldId id="277" r:id="rId11"/>
+    <p:sldId id="278" r:id="rId12"/>
+    <p:sldId id="260" r:id="rId13"/>
+    <p:sldId id="261" r:id="rId14"/>
+    <p:sldId id="262" r:id="rId15"/>
+    <p:sldId id="263" r:id="rId16"/>
+    <p:sldId id="264" r:id="rId17"/>
+    <p:sldId id="265" r:id="rId18"/>
+    <p:sldId id="266" r:id="rId19"/>
+    <p:sldId id="267" r:id="rId20"/>
+    <p:sldId id="268" r:id="rId21"/>
+    <p:sldId id="269" r:id="rId22"/>
   </p:sldIdLst>
   <p:sldSz cx="12192000" cy="6858000"/>
   <p:notesSz cx="6858000" cy="9144000"/>
@@ -146,7 +144,7 @@
 <file path=ppt/revisionInfo.xml><?xml version="1.0" encoding="utf-8"?>
 <p1510:revInfo xmlns:a="http://schemas.openxmlformats.org/drawingml/2006/main" xmlns:r="http://schemas.openxmlformats.org/officeDocument/2006/relationships" xmlns:p1510="http://schemas.microsoft.com/office/powerpoint/2015/10/main">
   <p1510:revLst>
-    <p1510:client id="{7E24A39F-0D87-4E33-94B7-E787E42C6DAC}" v="1" dt="2021-07-31T16:31:26.269"/>
+    <p1510:client id="{7E24A39F-0D87-4E33-94B7-E787E42C6DAC}" v="3" dt="2021-07-31T20:52:22.737"/>
   </p1510:revLst>
 </p1510:revInfo>
 </file>
@@ -155,8 +153,8 @@
 <pc:chgInfo xmlns:a="http://schemas.openxmlformats.org/drawingml/2006/main" xmlns:r="http://schemas.openxmlformats.org/officeDocument/2006/relationships" xmlns:ac="http://schemas.microsoft.com/office/drawing/2013/main/command" xmlns:pc="http://schemas.microsoft.com/office/powerpoint/2013/main/command">
   <pc:docChgLst>
     <pc:chgData name="Grey Hardy" userId="be27e65c1c4cc39e" providerId="LiveId" clId="{7E24A39F-0D87-4E33-94B7-E787E42C6DAC}"/>
-    <pc:docChg chg="custSel addSld modSld">
-      <pc:chgData name="Grey Hardy" userId="be27e65c1c4cc39e" providerId="LiveId" clId="{7E24A39F-0D87-4E33-94B7-E787E42C6DAC}" dt="2021-07-31T16:47:49.750" v="35" actId="27636"/>
+    <pc:docChg chg="custSel addSld delSld modSld">
+      <pc:chgData name="Grey Hardy" userId="be27e65c1c4cc39e" providerId="LiveId" clId="{7E24A39F-0D87-4E33-94B7-E787E42C6DAC}" dt="2021-07-31T20:59:54.273" v="151" actId="47"/>
       <pc:docMkLst>
         <pc:docMk/>
       </pc:docMkLst>
@@ -176,13 +174,13 @@
         </pc:spChg>
       </pc:sldChg>
       <pc:sldChg chg="modSp mod">
-        <pc:chgData name="Grey Hardy" userId="be27e65c1c4cc39e" providerId="LiveId" clId="{7E24A39F-0D87-4E33-94B7-E787E42C6DAC}" dt="2021-07-31T16:30:43.445" v="13" actId="20577"/>
+        <pc:chgData name="Grey Hardy" userId="be27e65c1c4cc39e" providerId="LiveId" clId="{7E24A39F-0D87-4E33-94B7-E787E42C6DAC}" dt="2021-07-31T20:54:46.712" v="98" actId="20577"/>
         <pc:sldMkLst>
           <pc:docMk/>
           <pc:sldMk cId="3639872359" sldId="258"/>
         </pc:sldMkLst>
         <pc:spChg chg="mod">
-          <ac:chgData name="Grey Hardy" userId="be27e65c1c4cc39e" providerId="LiveId" clId="{7E24A39F-0D87-4E33-94B7-E787E42C6DAC}" dt="2021-07-31T16:30:43.445" v="13" actId="20577"/>
+          <ac:chgData name="Grey Hardy" userId="be27e65c1c4cc39e" providerId="LiveId" clId="{7E24A39F-0D87-4E33-94B7-E787E42C6DAC}" dt="2021-07-31T20:54:46.712" v="98" actId="20577"/>
           <ac:spMkLst>
             <pc:docMk/>
             <pc:sldMk cId="3639872359" sldId="258"/>
@@ -190,8 +188,86 @@
           </ac:spMkLst>
         </pc:spChg>
       </pc:sldChg>
-      <pc:sldChg chg="modSp add mod">
-        <pc:chgData name="Grey Hardy" userId="be27e65c1c4cc39e" providerId="LiveId" clId="{7E24A39F-0D87-4E33-94B7-E787E42C6DAC}" dt="2021-07-31T16:31:52.917" v="33" actId="20577"/>
+      <pc:sldChg chg="addSp delSp modSp mod">
+        <pc:chgData name="Grey Hardy" userId="be27e65c1c4cc39e" providerId="LiveId" clId="{7E24A39F-0D87-4E33-94B7-E787E42C6DAC}" dt="2021-07-31T20:59:36.135" v="150" actId="20577"/>
+        <pc:sldMkLst>
+          <pc:docMk/>
+          <pc:sldMk cId="3751628259" sldId="271"/>
+        </pc:sldMkLst>
+        <pc:spChg chg="mod">
+          <ac:chgData name="Grey Hardy" userId="be27e65c1c4cc39e" providerId="LiveId" clId="{7E24A39F-0D87-4E33-94B7-E787E42C6DAC}" dt="2021-07-31T20:59:36.135" v="150" actId="20577"/>
+          <ac:spMkLst>
+            <pc:docMk/>
+            <pc:sldMk cId="3751628259" sldId="271"/>
+            <ac:spMk id="2" creationId="{00000000-0000-0000-0000-000000000000}"/>
+          </ac:spMkLst>
+        </pc:spChg>
+        <pc:spChg chg="add del mod">
+          <ac:chgData name="Grey Hardy" userId="be27e65c1c4cc39e" providerId="LiveId" clId="{7E24A39F-0D87-4E33-94B7-E787E42C6DAC}" dt="2021-07-31T20:43:39.945" v="42" actId="478"/>
+          <ac:spMkLst>
+            <pc:docMk/>
+            <pc:sldMk cId="3751628259" sldId="271"/>
+            <ac:spMk id="6" creationId="{600C2E46-7D78-4169-AF94-D1BED1A8663C}"/>
+          </ac:spMkLst>
+        </pc:spChg>
+        <pc:picChg chg="add mod">
+          <ac:chgData name="Grey Hardy" userId="be27e65c1c4cc39e" providerId="LiveId" clId="{7E24A39F-0D87-4E33-94B7-E787E42C6DAC}" dt="2021-07-31T20:43:33.576" v="41" actId="1076"/>
+          <ac:picMkLst>
+            <pc:docMk/>
+            <pc:sldMk cId="3751628259" sldId="271"/>
+            <ac:picMk id="4" creationId="{AA36052D-97CF-4EC6-AE56-17A5A0E42801}"/>
+          </ac:picMkLst>
+        </pc:picChg>
+        <pc:picChg chg="del">
+          <ac:chgData name="Grey Hardy" userId="be27e65c1c4cc39e" providerId="LiveId" clId="{7E24A39F-0D87-4E33-94B7-E787E42C6DAC}" dt="2021-07-31T20:43:28.139" v="40" actId="478"/>
+          <ac:picMkLst>
+            <pc:docMk/>
+            <pc:sldMk cId="3751628259" sldId="271"/>
+            <ac:picMk id="7" creationId="{87609F1E-F69C-416E-9E4D-C008D5B84317}"/>
+          </ac:picMkLst>
+        </pc:picChg>
+      </pc:sldChg>
+      <pc:sldChg chg="addSp delSp modSp del mod">
+        <pc:chgData name="Grey Hardy" userId="be27e65c1c4cc39e" providerId="LiveId" clId="{7E24A39F-0D87-4E33-94B7-E787E42C6DAC}" dt="2021-07-31T20:59:54.273" v="151" actId="47"/>
+        <pc:sldMkLst>
+          <pc:docMk/>
+          <pc:sldMk cId="1768892153" sldId="272"/>
+        </pc:sldMkLst>
+        <pc:spChg chg="mod">
+          <ac:chgData name="Grey Hardy" userId="be27e65c1c4cc39e" providerId="LiveId" clId="{7E24A39F-0D87-4E33-94B7-E787E42C6DAC}" dt="2021-07-31T20:52:18.261" v="72" actId="122"/>
+          <ac:spMkLst>
+            <pc:docMk/>
+            <pc:sldMk cId="1768892153" sldId="272"/>
+            <ac:spMk id="2" creationId="{00000000-0000-0000-0000-000000000000}"/>
+          </ac:spMkLst>
+        </pc:spChg>
+        <pc:spChg chg="add del mod">
+          <ac:chgData name="Grey Hardy" userId="be27e65c1c4cc39e" providerId="LiveId" clId="{7E24A39F-0D87-4E33-94B7-E787E42C6DAC}" dt="2021-07-31T20:52:50.145" v="74" actId="22"/>
+          <ac:spMkLst>
+            <pc:docMk/>
+            <pc:sldMk cId="1768892153" sldId="272"/>
+            <ac:spMk id="4" creationId="{B7CA303C-F656-4C46-B7C4-E829A5FE8A0B}"/>
+          </ac:spMkLst>
+        </pc:spChg>
+        <pc:graphicFrameChg chg="del">
+          <ac:chgData name="Grey Hardy" userId="be27e65c1c4cc39e" providerId="LiveId" clId="{7E24A39F-0D87-4E33-94B7-E787E42C6DAC}" dt="2021-07-31T20:52:23.553" v="73" actId="478"/>
+          <ac:graphicFrameMkLst>
+            <pc:docMk/>
+            <pc:sldMk cId="1768892153" sldId="272"/>
+            <ac:graphicFrameMk id="6" creationId="{00000000-0000-0000-0000-000000000000}"/>
+          </ac:graphicFrameMkLst>
+        </pc:graphicFrameChg>
+        <pc:picChg chg="add mod ord">
+          <ac:chgData name="Grey Hardy" userId="be27e65c1c4cc39e" providerId="LiveId" clId="{7E24A39F-0D87-4E33-94B7-E787E42C6DAC}" dt="2021-07-31T20:52:50.695" v="76" actId="962"/>
+          <ac:picMkLst>
+            <pc:docMk/>
+            <pc:sldMk cId="1768892153" sldId="272"/>
+            <ac:picMk id="7" creationId="{42B19A04-3A0D-492C-B935-170EA9C0E10F}"/>
+          </ac:picMkLst>
+        </pc:picChg>
+      </pc:sldChg>
+      <pc:sldChg chg="modSp add del mod">
+        <pc:chgData name="Grey Hardy" userId="be27e65c1c4cc39e" providerId="LiveId" clId="{7E24A39F-0D87-4E33-94B7-E787E42C6DAC}" dt="2021-07-31T20:55:04" v="99" actId="47"/>
         <pc:sldMkLst>
           <pc:docMk/>
           <pc:sldMk cId="49023410" sldId="279"/>
@@ -3090,486 +3166,6 @@
 </c:chartSpace>
 </file>
 
-<file path=ppt/charts/chart7.xml><?xml version="1.0" encoding="utf-8"?>
-<c:chartSpace xmlns:c="http://schemas.openxmlformats.org/drawingml/2006/chart" xmlns:a="http://schemas.openxmlformats.org/drawingml/2006/main" xmlns:r="http://schemas.openxmlformats.org/officeDocument/2006/relationships" xmlns:c16r2="http://schemas.microsoft.com/office/drawing/2015/06/chart">
-  <c:date1904 val="0"/>
-  <c:lang val="en-US"/>
-  <c:roundedCorners val="0"/>
-  <mc:AlternateContent xmlns:mc="http://schemas.openxmlformats.org/markup-compatibility/2006">
-    <mc:Choice xmlns:c14="http://schemas.microsoft.com/office/drawing/2007/8/2/chart" Requires="c14">
-      <c14:style val="102"/>
-    </mc:Choice>
-    <mc:Fallback>
-      <c:style val="2"/>
-    </mc:Fallback>
-  </mc:AlternateContent>
-  <c:chart>
-    <c:autoTitleDeleted val="1"/>
-    <c:plotArea>
-      <c:layout/>
-      <c:barChart>
-        <c:barDir val="col"/>
-        <c:grouping val="clustered"/>
-        <c:varyColors val="0"/>
-        <c:ser>
-          <c:idx val="0"/>
-          <c:order val="0"/>
-          <c:tx>
-            <c:strRef>
-              <c:f>Sheet1!$B$1</c:f>
-              <c:strCache>
-                <c:ptCount val="1"/>
-                <c:pt idx="0">
-                  <c:v>Series 1</c:v>
-                </c:pt>
-              </c:strCache>
-            </c:strRef>
-          </c:tx>
-          <c:spPr>
-            <a:gradFill rotWithShape="1">
-              <a:gsLst>
-                <a:gs pos="0">
-                  <a:schemeClr val="accent1">
-                    <a:satMod val="103000"/>
-                    <a:lumMod val="102000"/>
-                    <a:tint val="94000"/>
-                  </a:schemeClr>
-                </a:gs>
-                <a:gs pos="50000">
-                  <a:schemeClr val="accent1">
-                    <a:satMod val="110000"/>
-                    <a:lumMod val="100000"/>
-                    <a:shade val="100000"/>
-                  </a:schemeClr>
-                </a:gs>
-                <a:gs pos="100000">
-                  <a:schemeClr val="accent1">
-                    <a:lumMod val="99000"/>
-                    <a:satMod val="120000"/>
-                    <a:shade val="78000"/>
-                  </a:schemeClr>
-                </a:gs>
-              </a:gsLst>
-              <a:lin ang="5400000" scaled="0"/>
-            </a:gradFill>
-            <a:ln>
-              <a:noFill/>
-            </a:ln>
-            <a:effectLst/>
-          </c:spPr>
-          <c:invertIfNegative val="0"/>
-          <c:cat>
-            <c:strRef>
-              <c:f>Sheet1!$A$2:$A$5</c:f>
-              <c:strCache>
-                <c:ptCount val="4"/>
-                <c:pt idx="0">
-                  <c:v>Category 1</c:v>
-                </c:pt>
-                <c:pt idx="1">
-                  <c:v>Category 2</c:v>
-                </c:pt>
-                <c:pt idx="2">
-                  <c:v>Category 3</c:v>
-                </c:pt>
-                <c:pt idx="3">
-                  <c:v>Category 4</c:v>
-                </c:pt>
-              </c:strCache>
-            </c:strRef>
-          </c:cat>
-          <c:val>
-            <c:numRef>
-              <c:f>Sheet1!$B$2:$B$5</c:f>
-              <c:numCache>
-                <c:formatCode>General</c:formatCode>
-                <c:ptCount val="4"/>
-                <c:pt idx="0">
-                  <c:v>4.3</c:v>
-                </c:pt>
-                <c:pt idx="1">
-                  <c:v>2.5</c:v>
-                </c:pt>
-                <c:pt idx="2">
-                  <c:v>3.5</c:v>
-                </c:pt>
-                <c:pt idx="3">
-                  <c:v>4.5</c:v>
-                </c:pt>
-              </c:numCache>
-            </c:numRef>
-          </c:val>
-          <c:extLst>
-            <c:ext xmlns:c16="http://schemas.microsoft.com/office/drawing/2014/chart" uri="{C3380CC4-5D6E-409C-BE32-E72D297353CC}">
-              <c16:uniqueId val="{00000000-A655-4A76-B9D5-8F6E90FF977F}"/>
-            </c:ext>
-          </c:extLst>
-        </c:ser>
-        <c:ser>
-          <c:idx val="1"/>
-          <c:order val="1"/>
-          <c:tx>
-            <c:strRef>
-              <c:f>Sheet1!$C$1</c:f>
-              <c:strCache>
-                <c:ptCount val="1"/>
-                <c:pt idx="0">
-                  <c:v>Series 2</c:v>
-                </c:pt>
-              </c:strCache>
-            </c:strRef>
-          </c:tx>
-          <c:spPr>
-            <a:gradFill rotWithShape="1">
-              <a:gsLst>
-                <a:gs pos="0">
-                  <a:schemeClr val="accent2">
-                    <a:satMod val="103000"/>
-                    <a:lumMod val="102000"/>
-                    <a:tint val="94000"/>
-                  </a:schemeClr>
-                </a:gs>
-                <a:gs pos="50000">
-                  <a:schemeClr val="accent2">
-                    <a:satMod val="110000"/>
-                    <a:lumMod val="100000"/>
-                    <a:shade val="100000"/>
-                  </a:schemeClr>
-                </a:gs>
-                <a:gs pos="100000">
-                  <a:schemeClr val="accent2">
-                    <a:lumMod val="99000"/>
-                    <a:satMod val="120000"/>
-                    <a:shade val="78000"/>
-                  </a:schemeClr>
-                </a:gs>
-              </a:gsLst>
-              <a:lin ang="5400000" scaled="0"/>
-            </a:gradFill>
-            <a:ln>
-              <a:noFill/>
-            </a:ln>
-            <a:effectLst/>
-          </c:spPr>
-          <c:invertIfNegative val="0"/>
-          <c:cat>
-            <c:strRef>
-              <c:f>Sheet1!$A$2:$A$5</c:f>
-              <c:strCache>
-                <c:ptCount val="4"/>
-                <c:pt idx="0">
-                  <c:v>Category 1</c:v>
-                </c:pt>
-                <c:pt idx="1">
-                  <c:v>Category 2</c:v>
-                </c:pt>
-                <c:pt idx="2">
-                  <c:v>Category 3</c:v>
-                </c:pt>
-                <c:pt idx="3">
-                  <c:v>Category 4</c:v>
-                </c:pt>
-              </c:strCache>
-            </c:strRef>
-          </c:cat>
-          <c:val>
-            <c:numRef>
-              <c:f>Sheet1!$C$2:$C$5</c:f>
-              <c:numCache>
-                <c:formatCode>General</c:formatCode>
-                <c:ptCount val="4"/>
-                <c:pt idx="0">
-                  <c:v>2.4</c:v>
-                </c:pt>
-                <c:pt idx="1">
-                  <c:v>4.4000000000000004</c:v>
-                </c:pt>
-                <c:pt idx="2">
-                  <c:v>1.8</c:v>
-                </c:pt>
-                <c:pt idx="3">
-                  <c:v>2.8</c:v>
-                </c:pt>
-              </c:numCache>
-            </c:numRef>
-          </c:val>
-          <c:extLst>
-            <c:ext xmlns:c16="http://schemas.microsoft.com/office/drawing/2014/chart" uri="{C3380CC4-5D6E-409C-BE32-E72D297353CC}">
-              <c16:uniqueId val="{00000001-A655-4A76-B9D5-8F6E90FF977F}"/>
-            </c:ext>
-          </c:extLst>
-        </c:ser>
-        <c:ser>
-          <c:idx val="2"/>
-          <c:order val="2"/>
-          <c:tx>
-            <c:strRef>
-              <c:f>Sheet1!$D$1</c:f>
-              <c:strCache>
-                <c:ptCount val="1"/>
-                <c:pt idx="0">
-                  <c:v>Series 3</c:v>
-                </c:pt>
-              </c:strCache>
-            </c:strRef>
-          </c:tx>
-          <c:spPr>
-            <a:gradFill rotWithShape="1">
-              <a:gsLst>
-                <a:gs pos="0">
-                  <a:schemeClr val="accent3">
-                    <a:satMod val="103000"/>
-                    <a:lumMod val="102000"/>
-                    <a:tint val="94000"/>
-                  </a:schemeClr>
-                </a:gs>
-                <a:gs pos="50000">
-                  <a:schemeClr val="accent3">
-                    <a:satMod val="110000"/>
-                    <a:lumMod val="100000"/>
-                    <a:shade val="100000"/>
-                  </a:schemeClr>
-                </a:gs>
-                <a:gs pos="100000">
-                  <a:schemeClr val="accent3">
-                    <a:lumMod val="99000"/>
-                    <a:satMod val="120000"/>
-                    <a:shade val="78000"/>
-                  </a:schemeClr>
-                </a:gs>
-              </a:gsLst>
-              <a:lin ang="5400000" scaled="0"/>
-            </a:gradFill>
-            <a:ln>
-              <a:noFill/>
-            </a:ln>
-            <a:effectLst/>
-          </c:spPr>
-          <c:invertIfNegative val="0"/>
-          <c:cat>
-            <c:strRef>
-              <c:f>Sheet1!$A$2:$A$5</c:f>
-              <c:strCache>
-                <c:ptCount val="4"/>
-                <c:pt idx="0">
-                  <c:v>Category 1</c:v>
-                </c:pt>
-                <c:pt idx="1">
-                  <c:v>Category 2</c:v>
-                </c:pt>
-                <c:pt idx="2">
-                  <c:v>Category 3</c:v>
-                </c:pt>
-                <c:pt idx="3">
-                  <c:v>Category 4</c:v>
-                </c:pt>
-              </c:strCache>
-            </c:strRef>
-          </c:cat>
-          <c:val>
-            <c:numRef>
-              <c:f>Sheet1!$D$2:$D$5</c:f>
-              <c:numCache>
-                <c:formatCode>General</c:formatCode>
-                <c:ptCount val="4"/>
-                <c:pt idx="0">
-                  <c:v>2</c:v>
-                </c:pt>
-                <c:pt idx="1">
-                  <c:v>2</c:v>
-                </c:pt>
-                <c:pt idx="2">
-                  <c:v>3</c:v>
-                </c:pt>
-                <c:pt idx="3">
-                  <c:v>5</c:v>
-                </c:pt>
-              </c:numCache>
-            </c:numRef>
-          </c:val>
-          <c:extLst>
-            <c:ext xmlns:c16="http://schemas.microsoft.com/office/drawing/2014/chart" uri="{C3380CC4-5D6E-409C-BE32-E72D297353CC}">
-              <c16:uniqueId val="{00000002-A655-4A76-B9D5-8F6E90FF977F}"/>
-            </c:ext>
-          </c:extLst>
-        </c:ser>
-        <c:dLbls>
-          <c:showLegendKey val="0"/>
-          <c:showVal val="0"/>
-          <c:showCatName val="0"/>
-          <c:showSerName val="0"/>
-          <c:showPercent val="0"/>
-          <c:showBubbleSize val="0"/>
-        </c:dLbls>
-        <c:gapWidth val="100"/>
-        <c:overlap val="-24"/>
-        <c:axId val="355301032"/>
-        <c:axId val="355303776"/>
-      </c:barChart>
-      <c:catAx>
-        <c:axId val="355301032"/>
-        <c:scaling>
-          <c:orientation val="minMax"/>
-        </c:scaling>
-        <c:delete val="0"/>
-        <c:axPos val="b"/>
-        <c:numFmt formatCode="General" sourceLinked="1"/>
-        <c:majorTickMark val="none"/>
-        <c:minorTickMark val="none"/>
-        <c:tickLblPos val="nextTo"/>
-        <c:spPr>
-          <a:noFill/>
-          <a:ln w="9525" cap="flat" cmpd="sng" algn="ctr">
-            <a:solidFill>
-              <a:schemeClr val="tx2">
-                <a:lumMod val="15000"/>
-                <a:lumOff val="85000"/>
-              </a:schemeClr>
-            </a:solidFill>
-            <a:round/>
-          </a:ln>
-          <a:effectLst/>
-        </c:spPr>
-        <c:txPr>
-          <a:bodyPr rot="-60000000" spcFirstLastPara="1" vertOverflow="ellipsis" vert="horz" wrap="square" anchor="ctr" anchorCtr="1"/>
-          <a:lstStyle/>
-          <a:p>
-            <a:pPr>
-              <a:defRPr sz="1197" b="0" i="0" u="none" strike="noStrike" kern="1200" baseline="0">
-                <a:solidFill>
-                  <a:schemeClr val="tx2"/>
-                </a:solidFill>
-                <a:latin typeface="+mn-lt"/>
-                <a:ea typeface="+mn-ea"/>
-                <a:cs typeface="+mn-cs"/>
-              </a:defRPr>
-            </a:pPr>
-            <a:endParaRPr lang="en-US"/>
-          </a:p>
-        </c:txPr>
-        <c:crossAx val="355303776"/>
-        <c:crosses val="autoZero"/>
-        <c:auto val="1"/>
-        <c:lblAlgn val="ctr"/>
-        <c:lblOffset val="100"/>
-        <c:noMultiLvlLbl val="0"/>
-      </c:catAx>
-      <c:valAx>
-        <c:axId val="355303776"/>
-        <c:scaling>
-          <c:orientation val="minMax"/>
-        </c:scaling>
-        <c:delete val="0"/>
-        <c:axPos val="l"/>
-        <c:majorGridlines>
-          <c:spPr>
-            <a:ln w="9525" cap="flat" cmpd="sng" algn="ctr">
-              <a:solidFill>
-                <a:schemeClr val="tx2">
-                  <a:lumMod val="15000"/>
-                  <a:lumOff val="85000"/>
-                </a:schemeClr>
-              </a:solidFill>
-              <a:round/>
-            </a:ln>
-            <a:effectLst/>
-          </c:spPr>
-        </c:majorGridlines>
-        <c:numFmt formatCode="General" sourceLinked="1"/>
-        <c:majorTickMark val="none"/>
-        <c:minorTickMark val="none"/>
-        <c:tickLblPos val="nextTo"/>
-        <c:spPr>
-          <a:noFill/>
-          <a:ln>
-            <a:noFill/>
-          </a:ln>
-          <a:effectLst/>
-        </c:spPr>
-        <c:txPr>
-          <a:bodyPr rot="-60000000" spcFirstLastPara="1" vertOverflow="ellipsis" vert="horz" wrap="square" anchor="ctr" anchorCtr="1"/>
-          <a:lstStyle/>
-          <a:p>
-            <a:pPr>
-              <a:defRPr sz="1197" b="0" i="0" u="none" strike="noStrike" kern="1200" baseline="0">
-                <a:solidFill>
-                  <a:schemeClr val="tx2"/>
-                </a:solidFill>
-                <a:latin typeface="+mn-lt"/>
-                <a:ea typeface="+mn-ea"/>
-                <a:cs typeface="+mn-cs"/>
-              </a:defRPr>
-            </a:pPr>
-            <a:endParaRPr lang="en-US"/>
-          </a:p>
-        </c:txPr>
-        <c:crossAx val="355301032"/>
-        <c:crosses val="autoZero"/>
-        <c:crossBetween val="between"/>
-      </c:valAx>
-      <c:spPr>
-        <a:noFill/>
-        <a:ln>
-          <a:noFill/>
-        </a:ln>
-        <a:effectLst/>
-      </c:spPr>
-    </c:plotArea>
-    <c:legend>
-      <c:legendPos val="b"/>
-      <c:overlay val="0"/>
-      <c:spPr>
-        <a:noFill/>
-        <a:ln>
-          <a:noFill/>
-        </a:ln>
-        <a:effectLst/>
-      </c:spPr>
-      <c:txPr>
-        <a:bodyPr rot="0" spcFirstLastPara="1" vertOverflow="ellipsis" vert="horz" wrap="square" anchor="ctr" anchorCtr="1"/>
-        <a:lstStyle/>
-        <a:p>
-          <a:pPr>
-            <a:defRPr sz="1197" b="0" i="0" u="none" strike="noStrike" kern="1200" baseline="0">
-              <a:solidFill>
-                <a:schemeClr val="tx2"/>
-              </a:solidFill>
-              <a:latin typeface="+mn-lt"/>
-              <a:ea typeface="+mn-ea"/>
-              <a:cs typeface="+mn-cs"/>
-            </a:defRPr>
-          </a:pPr>
-          <a:endParaRPr lang="en-US"/>
-        </a:p>
-      </c:txPr>
-    </c:legend>
-    <c:plotVisOnly val="1"/>
-    <c:dispBlanksAs val="gap"/>
-    <c:showDLblsOverMax val="0"/>
-  </c:chart>
-  <c:spPr>
-    <a:noFill/>
-    <a:ln>
-      <a:noFill/>
-    </a:ln>
-    <a:effectLst/>
-  </c:spPr>
-  <c:txPr>
-    <a:bodyPr/>
-    <a:lstStyle/>
-    <a:p>
-      <a:pPr>
-        <a:defRPr/>
-      </a:pPr>
-      <a:endParaRPr lang="en-US"/>
-    </a:p>
-  </c:txPr>
-  <c:externalData r:id="rId3">
-    <c:autoUpdate val="0"/>
-  </c:externalData>
-</c:chartSpace>
-</file>
-
 <file path=ppt/charts/colors1.xml><?xml version="1.0" encoding="utf-8"?>
 <cs:colorStyle xmlns:cs="http://schemas.microsoft.com/office/drawing/2012/chartStyle" xmlns:a="http://schemas.openxmlformats.org/drawingml/2006/main" meth="cycle" id="10">
   <a:schemeClr val="accent1"/>
@@ -3810,46 +3406,6 @@
 </cs:colorStyle>
 </file>
 
-<file path=ppt/charts/colors7.xml><?xml version="1.0" encoding="utf-8"?>
-<cs:colorStyle xmlns:cs="http://schemas.microsoft.com/office/drawing/2012/chartStyle" xmlns:a="http://schemas.openxmlformats.org/drawingml/2006/main" meth="cycle" id="10">
-  <a:schemeClr val="accent1"/>
-  <a:schemeClr val="accent2"/>
-  <a:schemeClr val="accent3"/>
-  <a:schemeClr val="accent4"/>
-  <a:schemeClr val="accent5"/>
-  <a:schemeClr val="accent6"/>
-  <cs:variation/>
-  <cs:variation>
-    <a:lumMod val="60000"/>
-  </cs:variation>
-  <cs:variation>
-    <a:lumMod val="80000"/>
-    <a:lumOff val="20000"/>
-  </cs:variation>
-  <cs:variation>
-    <a:lumMod val="80000"/>
-  </cs:variation>
-  <cs:variation>
-    <a:lumMod val="60000"/>
-    <a:lumOff val="40000"/>
-  </cs:variation>
-  <cs:variation>
-    <a:lumMod val="50000"/>
-  </cs:variation>
-  <cs:variation>
-    <a:lumMod val="70000"/>
-    <a:lumOff val="30000"/>
-  </cs:variation>
-  <cs:variation>
-    <a:lumMod val="70000"/>
-  </cs:variation>
-  <cs:variation>
-    <a:lumMod val="50000"/>
-    <a:lumOff val="50000"/>
-  </cs:variation>
-</cs:colorStyle>
-</file>
-
 <file path=ppt/charts/style1.xml><?xml version="1.0" encoding="utf-8"?>
 <cs:chartStyle xmlns:cs="http://schemas.microsoft.com/office/drawing/2012/chartStyle" xmlns:a="http://schemas.openxmlformats.org/drawingml/2006/main" id="207">
   <cs:axisTitle>
@@ -6196,475 +5752,6 @@
 </file>
 
 <file path=ppt/charts/style6.xml><?xml version="1.0" encoding="utf-8"?>
-<cs:chartStyle xmlns:cs="http://schemas.microsoft.com/office/drawing/2012/chartStyle" xmlns:a="http://schemas.openxmlformats.org/drawingml/2006/main" id="207">
-  <cs:axisTitle>
-    <cs:lnRef idx="0"/>
-    <cs:fillRef idx="0"/>
-    <cs:effectRef idx="0"/>
-    <cs:fontRef idx="minor">
-      <a:schemeClr val="tx2"/>
-    </cs:fontRef>
-    <cs:defRPr sz="1197" b="1" kern="1200"/>
-  </cs:axisTitle>
-  <cs:categoryAxis>
-    <cs:lnRef idx="0"/>
-    <cs:fillRef idx="0"/>
-    <cs:effectRef idx="0"/>
-    <cs:fontRef idx="minor">
-      <a:schemeClr val="tx2"/>
-    </cs:fontRef>
-    <cs:spPr>
-      <a:ln w="9525" cap="flat" cmpd="sng" algn="ctr">
-        <a:solidFill>
-          <a:schemeClr val="tx2">
-            <a:lumMod val="15000"/>
-            <a:lumOff val="85000"/>
-          </a:schemeClr>
-        </a:solidFill>
-        <a:round/>
-      </a:ln>
-    </cs:spPr>
-    <cs:defRPr sz="1197" kern="1200"/>
-  </cs:categoryAxis>
-  <cs:chartArea mods="allowNoFillOverride allowNoLineOverride">
-    <cs:lnRef idx="0"/>
-    <cs:fillRef idx="0"/>
-    <cs:effectRef idx="0"/>
-    <cs:fontRef idx="minor">
-      <a:schemeClr val="tx2"/>
-    </cs:fontRef>
-    <cs:spPr>
-      <a:solidFill>
-        <a:schemeClr val="bg1"/>
-      </a:solidFill>
-      <a:ln w="9525" cap="flat" cmpd="sng" algn="ctr">
-        <a:solidFill>
-          <a:schemeClr val="tx2">
-            <a:lumMod val="15000"/>
-            <a:lumOff val="85000"/>
-          </a:schemeClr>
-        </a:solidFill>
-        <a:round/>
-      </a:ln>
-    </cs:spPr>
-    <cs:defRPr sz="1197" kern="1200"/>
-  </cs:chartArea>
-  <cs:dataLabel>
-    <cs:lnRef idx="0"/>
-    <cs:fillRef idx="0"/>
-    <cs:effectRef idx="0"/>
-    <cs:fontRef idx="minor">
-      <a:schemeClr val="tx2"/>
-    </cs:fontRef>
-    <cs:defRPr sz="1197" kern="1200"/>
-  </cs:dataLabel>
-  <cs:dataLabelCallout>
-    <cs:lnRef idx="0"/>
-    <cs:fillRef idx="0"/>
-    <cs:effectRef idx="0"/>
-    <cs:fontRef idx="minor">
-      <a:schemeClr val="dk2">
-        <a:lumMod val="75000"/>
-      </a:schemeClr>
-    </cs:fontRef>
-    <cs:spPr>
-      <a:solidFill>
-        <a:schemeClr val="lt1"/>
-      </a:solidFill>
-      <a:ln>
-        <a:solidFill>
-          <a:schemeClr val="dk1">
-            <a:lumMod val="25000"/>
-            <a:lumOff val="75000"/>
-          </a:schemeClr>
-        </a:solidFill>
-      </a:ln>
-    </cs:spPr>
-    <cs:defRPr sz="1197" kern="1200"/>
-    <cs:bodyPr rot="0" spcFirstLastPara="1" vertOverflow="clip" horzOverflow="clip" vert="horz" wrap="square" lIns="36576" tIns="18288" rIns="36576" bIns="18288" anchor="ctr" anchorCtr="1">
-      <a:spAutoFit/>
-    </cs:bodyPr>
-  </cs:dataLabelCallout>
-  <cs:dataPoint>
-    <cs:lnRef idx="0"/>
-    <cs:fillRef idx="3">
-      <cs:styleClr val="auto"/>
-    </cs:fillRef>
-    <cs:effectRef idx="2"/>
-    <cs:fontRef idx="minor">
-      <a:schemeClr val="tx2"/>
-    </cs:fontRef>
-  </cs:dataPoint>
-  <cs:dataPoint3D>
-    <cs:lnRef idx="0"/>
-    <cs:fillRef idx="3">
-      <cs:styleClr val="auto"/>
-    </cs:fillRef>
-    <cs:effectRef idx="2"/>
-    <cs:fontRef idx="minor">
-      <a:schemeClr val="tx2"/>
-    </cs:fontRef>
-  </cs:dataPoint3D>
-  <cs:dataPointLine>
-    <cs:lnRef idx="0">
-      <cs:styleClr val="auto"/>
-    </cs:lnRef>
-    <cs:fillRef idx="3"/>
-    <cs:effectRef idx="2"/>
-    <cs:fontRef idx="minor">
-      <a:schemeClr val="tx2"/>
-    </cs:fontRef>
-    <cs:spPr>
-      <a:ln w="31750" cap="rnd">
-        <a:solidFill>
-          <a:schemeClr val="phClr"/>
-        </a:solidFill>
-        <a:round/>
-      </a:ln>
-    </cs:spPr>
-  </cs:dataPointLine>
-  <cs:dataPointMarker>
-    <cs:lnRef idx="0"/>
-    <cs:fillRef idx="3">
-      <cs:styleClr val="auto"/>
-    </cs:fillRef>
-    <cs:effectRef idx="2"/>
-    <cs:fontRef idx="minor">
-      <a:schemeClr val="tx2"/>
-    </cs:fontRef>
-    <cs:spPr>
-      <a:ln w="12700">
-        <a:solidFill>
-          <a:schemeClr val="lt2"/>
-        </a:solidFill>
-        <a:round/>
-      </a:ln>
-    </cs:spPr>
-  </cs:dataPointMarker>
-  <cs:dataPointMarkerLayout symbol="circle" size="6"/>
-  <cs:dataPointWireframe>
-    <cs:lnRef idx="0">
-      <cs:styleClr val="auto"/>
-    </cs:lnRef>
-    <cs:fillRef idx="3"/>
-    <cs:effectRef idx="2"/>
-    <cs:fontRef idx="minor">
-      <a:schemeClr val="tx2"/>
-    </cs:fontRef>
-    <cs:spPr>
-      <a:ln w="9525" cap="rnd">
-        <a:solidFill>
-          <a:schemeClr val="phClr"/>
-        </a:solidFill>
-        <a:round/>
-      </a:ln>
-    </cs:spPr>
-  </cs:dataPointWireframe>
-  <cs:dataTable>
-    <cs:lnRef idx="0"/>
-    <cs:fillRef idx="0"/>
-    <cs:effectRef idx="0"/>
-    <cs:fontRef idx="minor">
-      <a:schemeClr val="tx2"/>
-    </cs:fontRef>
-    <cs:spPr>
-      <a:ln w="9525">
-        <a:solidFill>
-          <a:schemeClr val="tx2">
-            <a:lumMod val="15000"/>
-            <a:lumOff val="85000"/>
-          </a:schemeClr>
-        </a:solidFill>
-      </a:ln>
-    </cs:spPr>
-    <cs:defRPr sz="1197" kern="1200"/>
-  </cs:dataTable>
-  <cs:downBar>
-    <cs:lnRef idx="0"/>
-    <cs:fillRef idx="0"/>
-    <cs:effectRef idx="0"/>
-    <cs:fontRef idx="minor">
-      <a:schemeClr val="dk1"/>
-    </cs:fontRef>
-    <cs:spPr>
-      <a:solidFill>
-        <a:schemeClr val="dk1">
-          <a:lumMod val="65000"/>
-          <a:lumOff val="35000"/>
-        </a:schemeClr>
-      </a:solidFill>
-      <a:ln w="9525">
-        <a:solidFill>
-          <a:schemeClr val="tx1">
-            <a:lumMod val="65000"/>
-            <a:lumOff val="35000"/>
-          </a:schemeClr>
-        </a:solidFill>
-      </a:ln>
-    </cs:spPr>
-  </cs:downBar>
-  <cs:dropLine>
-    <cs:lnRef idx="0"/>
-    <cs:fillRef idx="0"/>
-    <cs:effectRef idx="0"/>
-    <cs:fontRef idx="minor">
-      <a:schemeClr val="tx2"/>
-    </cs:fontRef>
-    <cs:spPr>
-      <a:ln w="9525">
-        <a:solidFill>
-          <a:schemeClr val="tx2">
-            <a:lumMod val="60000"/>
-            <a:lumOff val="40000"/>
-          </a:schemeClr>
-        </a:solidFill>
-        <a:prstDash val="dash"/>
-      </a:ln>
-    </cs:spPr>
-  </cs:dropLine>
-  <cs:errorBar>
-    <cs:lnRef idx="0"/>
-    <cs:fillRef idx="0"/>
-    <cs:effectRef idx="0"/>
-    <cs:fontRef idx="minor">
-      <a:schemeClr val="tx2"/>
-    </cs:fontRef>
-    <cs:spPr>
-      <a:ln w="9525">
-        <a:solidFill>
-          <a:schemeClr val="tx2">
-            <a:lumMod val="75000"/>
-            <a:lumOff val="25000"/>
-          </a:schemeClr>
-        </a:solidFill>
-        <a:round/>
-      </a:ln>
-    </cs:spPr>
-  </cs:errorBar>
-  <cs:floor>
-    <cs:lnRef idx="0"/>
-    <cs:fillRef idx="0"/>
-    <cs:effectRef idx="0"/>
-    <cs:fontRef idx="minor">
-      <a:schemeClr val="tx2"/>
-    </cs:fontRef>
-  </cs:floor>
-  <cs:gridlineMajor>
-    <cs:lnRef idx="0"/>
-    <cs:fillRef idx="0"/>
-    <cs:effectRef idx="0"/>
-    <cs:fontRef idx="minor">
-      <a:schemeClr val="tx2"/>
-    </cs:fontRef>
-    <cs:spPr>
-      <a:ln w="9525" cap="flat" cmpd="sng" algn="ctr">
-        <a:solidFill>
-          <a:schemeClr val="tx2">
-            <a:lumMod val="15000"/>
-            <a:lumOff val="85000"/>
-          </a:schemeClr>
-        </a:solidFill>
-        <a:round/>
-      </a:ln>
-    </cs:spPr>
-  </cs:gridlineMajor>
-  <cs:gridlineMinor>
-    <cs:lnRef idx="0"/>
-    <cs:fillRef idx="0"/>
-    <cs:effectRef idx="0"/>
-    <cs:fontRef idx="minor">
-      <a:schemeClr val="tx2"/>
-    </cs:fontRef>
-    <cs:spPr>
-      <a:ln>
-        <a:solidFill>
-          <a:schemeClr val="tx2">
-            <a:lumMod val="5000"/>
-            <a:lumOff val="95000"/>
-          </a:schemeClr>
-        </a:solidFill>
-      </a:ln>
-    </cs:spPr>
-  </cs:gridlineMinor>
-  <cs:hiLoLine>
-    <cs:lnRef idx="0"/>
-    <cs:fillRef idx="0"/>
-    <cs:effectRef idx="0"/>
-    <cs:fontRef idx="minor">
-      <a:schemeClr val="tx2"/>
-    </cs:fontRef>
-    <cs:spPr>
-      <a:ln w="9525">
-        <a:solidFill>
-          <a:schemeClr val="tx2">
-            <a:lumMod val="60000"/>
-            <a:lumOff val="40000"/>
-          </a:schemeClr>
-        </a:solidFill>
-        <a:prstDash val="dash"/>
-      </a:ln>
-    </cs:spPr>
-  </cs:hiLoLine>
-  <cs:leaderLine>
-    <cs:lnRef idx="0"/>
-    <cs:fillRef idx="0"/>
-    <cs:effectRef idx="0"/>
-    <cs:fontRef idx="minor">
-      <a:schemeClr val="tx2"/>
-    </cs:fontRef>
-    <cs:spPr>
-      <a:ln w="9525">
-        <a:solidFill>
-          <a:schemeClr val="tx2">
-            <a:lumMod val="35000"/>
-            <a:lumOff val="65000"/>
-          </a:schemeClr>
-        </a:solidFill>
-      </a:ln>
-    </cs:spPr>
-  </cs:leaderLine>
-  <cs:legend>
-    <cs:lnRef idx="0"/>
-    <cs:fillRef idx="0"/>
-    <cs:effectRef idx="0"/>
-    <cs:fontRef idx="minor">
-      <a:schemeClr val="tx2"/>
-    </cs:fontRef>
-    <cs:defRPr sz="1197" kern="1200"/>
-  </cs:legend>
-  <cs:plotArea>
-    <cs:lnRef idx="0"/>
-    <cs:fillRef idx="0"/>
-    <cs:effectRef idx="0"/>
-    <cs:fontRef idx="minor">
-      <a:schemeClr val="tx2"/>
-    </cs:fontRef>
-  </cs:plotArea>
-  <cs:plotArea3D>
-    <cs:lnRef idx="0"/>
-    <cs:fillRef idx="0"/>
-    <cs:effectRef idx="0"/>
-    <cs:fontRef idx="minor">
-      <a:schemeClr val="tx2"/>
-    </cs:fontRef>
-  </cs:plotArea3D>
-  <cs:seriesAxis>
-    <cs:lnRef idx="0"/>
-    <cs:fillRef idx="0"/>
-    <cs:effectRef idx="0"/>
-    <cs:fontRef idx="minor">
-      <a:schemeClr val="tx2"/>
-    </cs:fontRef>
-    <cs:spPr>
-      <a:ln w="9525" cap="flat" cmpd="sng" algn="ctr">
-        <a:solidFill>
-          <a:schemeClr val="tx2">
-            <a:lumMod val="15000"/>
-            <a:lumOff val="85000"/>
-          </a:schemeClr>
-        </a:solidFill>
-        <a:round/>
-      </a:ln>
-    </cs:spPr>
-    <cs:defRPr sz="1197" kern="1200"/>
-  </cs:seriesAxis>
-  <cs:seriesLine>
-    <cs:lnRef idx="0"/>
-    <cs:fillRef idx="0"/>
-    <cs:effectRef idx="0"/>
-    <cs:fontRef idx="minor">
-      <a:schemeClr val="tx2"/>
-    </cs:fontRef>
-    <cs:spPr>
-      <a:ln w="9525">
-        <a:solidFill>
-          <a:schemeClr val="tx2">
-            <a:lumMod val="60000"/>
-            <a:lumOff val="40000"/>
-          </a:schemeClr>
-        </a:solidFill>
-        <a:prstDash val="dash"/>
-      </a:ln>
-    </cs:spPr>
-  </cs:seriesLine>
-  <cs:title>
-    <cs:lnRef idx="0"/>
-    <cs:fillRef idx="0"/>
-    <cs:effectRef idx="0"/>
-    <cs:fontRef idx="minor">
-      <a:schemeClr val="tx2"/>
-    </cs:fontRef>
-    <cs:defRPr sz="2128" b="1" kern="1200"/>
-  </cs:title>
-  <cs:trendline>
-    <cs:lnRef idx="0">
-      <cs:styleClr val="auto"/>
-    </cs:lnRef>
-    <cs:fillRef idx="0"/>
-    <cs:effectRef idx="0"/>
-    <cs:fontRef idx="minor">
-      <a:schemeClr val="tx2"/>
-    </cs:fontRef>
-    <cs:spPr>
-      <a:ln w="19050" cap="rnd">
-        <a:solidFill>
-          <a:schemeClr val="phClr"/>
-        </a:solidFill>
-        <a:prstDash val="sysDash"/>
-      </a:ln>
-    </cs:spPr>
-  </cs:trendline>
-  <cs:trendlineLabel>
-    <cs:lnRef idx="0"/>
-    <cs:fillRef idx="0"/>
-    <cs:effectRef idx="0"/>
-    <cs:fontRef idx="minor">
-      <a:schemeClr val="tx2"/>
-    </cs:fontRef>
-    <cs:defRPr sz="1197" kern="1200"/>
-  </cs:trendlineLabel>
-  <cs:upBar>
-    <cs:lnRef idx="0"/>
-    <cs:fillRef idx="0"/>
-    <cs:effectRef idx="0"/>
-    <cs:fontRef idx="minor">
-      <a:schemeClr val="tx2"/>
-    </cs:fontRef>
-    <cs:spPr>
-      <a:solidFill>
-        <a:schemeClr val="lt1"/>
-      </a:solidFill>
-      <a:ln w="9525">
-        <a:solidFill>
-          <a:schemeClr val="tx1">
-            <a:lumMod val="15000"/>
-            <a:lumOff val="85000"/>
-          </a:schemeClr>
-        </a:solidFill>
-      </a:ln>
-    </cs:spPr>
-  </cs:upBar>
-  <cs:valueAxis>
-    <cs:lnRef idx="0"/>
-    <cs:fillRef idx="0"/>
-    <cs:effectRef idx="0"/>
-    <cs:fontRef idx="minor">
-      <a:schemeClr val="tx2"/>
-    </cs:fontRef>
-    <cs:defRPr sz="1197" kern="1200"/>
-  </cs:valueAxis>
-  <cs:wall>
-    <cs:lnRef idx="0"/>
-    <cs:fillRef idx="0"/>
-    <cs:effectRef idx="0"/>
-    <cs:fontRef idx="minor">
-      <a:schemeClr val="tx2"/>
-    </cs:fontRef>
-  </cs:wall>
-</cs:chartStyle>
-</file>
-
-<file path=ppt/charts/style7.xml><?xml version="1.0" encoding="utf-8"?>
 <cs:chartStyle xmlns:cs="http://schemas.microsoft.com/office/drawing/2012/chartStyle" xmlns:a="http://schemas.openxmlformats.org/drawingml/2006/main" id="207">
   <cs:axisTitle>
     <cs:lnRef idx="0"/>
@@ -15403,7 +14490,7 @@
     </p:spTree>
     <p:extLst>
       <p:ext uri="{BB962C8B-B14F-4D97-AF65-F5344CB8AC3E}">
-        <p14:creationId xmlns:p14="http://schemas.microsoft.com/office/powerpoint/2010/main" val="3453114302"/>
+        <p14:creationId xmlns:p14="http://schemas.microsoft.com/office/powerpoint/2010/main" val="3149573085"/>
       </p:ext>
     </p:extLst>
   </p:cSld>
@@ -15487,7 +14574,7 @@
     </p:spTree>
     <p:extLst>
       <p:ext uri="{BB962C8B-B14F-4D97-AF65-F5344CB8AC3E}">
-        <p14:creationId xmlns:p14="http://schemas.microsoft.com/office/powerpoint/2010/main" val="606315968"/>
+        <p14:creationId xmlns:p14="http://schemas.microsoft.com/office/powerpoint/2010/main" val="211545084"/>
       </p:ext>
     </p:extLst>
   </p:cSld>
@@ -15510,174 +14597,6 @@
 </file>
 
 <file path=ppt/slides/slide12.xml><?xml version="1.0" encoding="utf-8"?>
-<p:sld xmlns:a="http://schemas.openxmlformats.org/drawingml/2006/main" xmlns:r="http://schemas.openxmlformats.org/officeDocument/2006/relationships" xmlns:p="http://schemas.openxmlformats.org/presentationml/2006/main">
-  <p:cSld>
-    <p:spTree>
-      <p:nvGrpSpPr>
-        <p:cNvPr id="1" name=""/>
-        <p:cNvGrpSpPr/>
-        <p:nvPr/>
-      </p:nvGrpSpPr>
-      <p:grpSpPr>
-        <a:xfrm>
-          <a:off x="0" y="0"/>
-          <a:ext cx="0" cy="0"/>
-          <a:chOff x="0" y="0"/>
-          <a:chExt cx="0" cy="0"/>
-        </a:xfrm>
-      </p:grpSpPr>
-      <p:sp>
-        <p:nvSpPr>
-          <p:cNvPr id="2" name="Title 1"/>
-          <p:cNvSpPr>
-            <a:spLocks noGrp="1"/>
-          </p:cNvSpPr>
-          <p:nvPr>
-            <p:ph type="title"/>
-          </p:nvPr>
-        </p:nvSpPr>
-        <p:spPr/>
-        <p:txBody>
-          <a:bodyPr/>
-          <a:lstStyle/>
-          <a:p>
-            <a:r>
-              <a:rPr lang="en-US" dirty="0"/>
-              <a:t>Title and Content Layout with Chart</a:t>
-            </a:r>
-          </a:p>
-        </p:txBody>
-      </p:sp>
-      <p:graphicFrame>
-        <p:nvGraphicFramePr>
-          <p:cNvPr id="6" name="Content Placeholder 5" descr="Clustered column chart representing&#10;3 series combination chart for 4 categories"/>
-          <p:cNvGraphicFramePr>
-            <a:graphicFrameLocks noGrp="1"/>
-          </p:cNvGraphicFramePr>
-          <p:nvPr>
-            <p:ph idx="1"/>
-          </p:nvPr>
-        </p:nvGraphicFramePr>
-        <p:xfrm>
-          <a:off x="1295400" y="1828800"/>
-          <a:ext cx="9601200" cy="4343400"/>
-        </p:xfrm>
-        <a:graphic>
-          <a:graphicData uri="http://schemas.openxmlformats.org/drawingml/2006/chart">
-            <c:chart xmlns:c="http://schemas.openxmlformats.org/drawingml/2006/chart" xmlns:r="http://schemas.openxmlformats.org/officeDocument/2006/relationships" r:id="rId2"/>
-          </a:graphicData>
-        </a:graphic>
-      </p:graphicFrame>
-    </p:spTree>
-    <p:extLst>
-      <p:ext uri="{BB962C8B-B14F-4D97-AF65-F5344CB8AC3E}">
-        <p14:creationId xmlns:p14="http://schemas.microsoft.com/office/powerpoint/2010/main" val="3149573085"/>
-      </p:ext>
-    </p:extLst>
-  </p:cSld>
-  <p:clrMapOvr>
-    <a:masterClrMapping/>
-  </p:clrMapOvr>
-  <mc:AlternateContent xmlns:mc="http://schemas.openxmlformats.org/markup-compatibility/2006" xmlns:p14="http://schemas.microsoft.com/office/powerpoint/2010/main">
-    <mc:Choice Requires="p14">
-      <p:transition spd="med" p14:dur="700">
-        <p:fade/>
-      </p:transition>
-    </mc:Choice>
-    <mc:Fallback xmlns="">
-      <p:transition spd="med">
-        <p:fade/>
-      </p:transition>
-    </mc:Fallback>
-  </mc:AlternateContent>
-</p:sld>
-</file>
-
-<file path=ppt/slides/slide13.xml><?xml version="1.0" encoding="utf-8"?>
-<p:sld xmlns:a="http://schemas.openxmlformats.org/drawingml/2006/main" xmlns:r="http://schemas.openxmlformats.org/officeDocument/2006/relationships" xmlns:p="http://schemas.openxmlformats.org/presentationml/2006/main">
-  <p:cSld>
-    <p:spTree>
-      <p:nvGrpSpPr>
-        <p:cNvPr id="1" name=""/>
-        <p:cNvGrpSpPr/>
-        <p:nvPr/>
-      </p:nvGrpSpPr>
-      <p:grpSpPr>
-        <a:xfrm>
-          <a:off x="0" y="0"/>
-          <a:ext cx="0" cy="0"/>
-          <a:chOff x="0" y="0"/>
-          <a:chExt cx="0" cy="0"/>
-        </a:xfrm>
-      </p:grpSpPr>
-      <p:sp>
-        <p:nvSpPr>
-          <p:cNvPr id="2" name="Title 1"/>
-          <p:cNvSpPr>
-            <a:spLocks noGrp="1"/>
-          </p:cNvSpPr>
-          <p:nvPr>
-            <p:ph type="title"/>
-          </p:nvPr>
-        </p:nvSpPr>
-        <p:spPr/>
-        <p:txBody>
-          <a:bodyPr/>
-          <a:lstStyle/>
-          <a:p>
-            <a:r>
-              <a:rPr lang="en-US" dirty="0"/>
-              <a:t>Title and Content Layout with Chart</a:t>
-            </a:r>
-          </a:p>
-        </p:txBody>
-      </p:sp>
-      <p:graphicFrame>
-        <p:nvGraphicFramePr>
-          <p:cNvPr id="6" name="Content Placeholder 5" descr="Clustered column chart representing&#10;3 series combination chart for 4 categories"/>
-          <p:cNvGraphicFramePr>
-            <a:graphicFrameLocks noGrp="1"/>
-          </p:cNvGraphicFramePr>
-          <p:nvPr>
-            <p:ph idx="1"/>
-          </p:nvPr>
-        </p:nvGraphicFramePr>
-        <p:xfrm>
-          <a:off x="1295400" y="1828800"/>
-          <a:ext cx="9601200" cy="4343400"/>
-        </p:xfrm>
-        <a:graphic>
-          <a:graphicData uri="http://schemas.openxmlformats.org/drawingml/2006/chart">
-            <c:chart xmlns:c="http://schemas.openxmlformats.org/drawingml/2006/chart" xmlns:r="http://schemas.openxmlformats.org/officeDocument/2006/relationships" r:id="rId2"/>
-          </a:graphicData>
-        </a:graphic>
-      </p:graphicFrame>
-    </p:spTree>
-    <p:extLst>
-      <p:ext uri="{BB962C8B-B14F-4D97-AF65-F5344CB8AC3E}">
-        <p14:creationId xmlns:p14="http://schemas.microsoft.com/office/powerpoint/2010/main" val="211545084"/>
-      </p:ext>
-    </p:extLst>
-  </p:cSld>
-  <p:clrMapOvr>
-    <a:masterClrMapping/>
-  </p:clrMapOvr>
-  <mc:AlternateContent xmlns:mc="http://schemas.openxmlformats.org/markup-compatibility/2006" xmlns:p14="http://schemas.microsoft.com/office/powerpoint/2010/main">
-    <mc:Choice Requires="p14">
-      <p:transition spd="med" p14:dur="700">
-        <p:fade/>
-      </p:transition>
-    </mc:Choice>
-    <mc:Fallback xmlns="">
-      <p:transition spd="med">
-        <p:fade/>
-      </p:transition>
-    </mc:Fallback>
-  </mc:AlternateContent>
-</p:sld>
-</file>
-
-<file path=ppt/slides/slide14.xml><?xml version="1.0" encoding="utf-8"?>
 <p:sld xmlns:a="http://schemas.openxmlformats.org/drawingml/2006/main" xmlns:r="http://schemas.openxmlformats.org/officeDocument/2006/relationships" xmlns:p="http://schemas.openxmlformats.org/presentationml/2006/main">
   <p:cSld>
     <p:spTree>
@@ -16023,7 +14942,7 @@
 </p:sld>
 </file>
 
-<file path=ppt/slides/slide15.xml><?xml version="1.0" encoding="utf-8"?>
+<file path=ppt/slides/slide13.xml><?xml version="1.0" encoding="utf-8"?>
 <p:sld xmlns:a="http://schemas.openxmlformats.org/drawingml/2006/main" xmlns:r="http://schemas.openxmlformats.org/officeDocument/2006/relationships" xmlns:p="http://schemas.openxmlformats.org/presentationml/2006/main">
   <p:cSld>
     <p:spTree>
@@ -16112,7 +15031,7 @@
 </p:sld>
 </file>
 
-<file path=ppt/slides/slide16.xml><?xml version="1.0" encoding="utf-8"?>
+<file path=ppt/slides/slide14.xml><?xml version="1.0" encoding="utf-8"?>
 <p:sld xmlns:a="http://schemas.openxmlformats.org/drawingml/2006/main" xmlns:r="http://schemas.openxmlformats.org/officeDocument/2006/relationships" xmlns:p="http://schemas.openxmlformats.org/presentationml/2006/main">
   <p:cSld>
     <p:spTree>
@@ -16174,6 +15093,229 @@
     <p:extLst>
       <p:ext uri="{BB962C8B-B14F-4D97-AF65-F5344CB8AC3E}">
         <p14:creationId xmlns:p14="http://schemas.microsoft.com/office/powerpoint/2010/main" val="1636679273"/>
+      </p:ext>
+    </p:extLst>
+  </p:cSld>
+  <p:clrMapOvr>
+    <a:masterClrMapping/>
+  </p:clrMapOvr>
+  <mc:AlternateContent xmlns:mc="http://schemas.openxmlformats.org/markup-compatibility/2006" xmlns:p14="http://schemas.microsoft.com/office/powerpoint/2010/main">
+    <mc:Choice Requires="p14">
+      <p:transition spd="med" p14:dur="700">
+        <p:fade/>
+      </p:transition>
+    </mc:Choice>
+    <mc:Fallback xmlns="">
+      <p:transition spd="med">
+        <p:fade/>
+      </p:transition>
+    </mc:Fallback>
+  </mc:AlternateContent>
+</p:sld>
+</file>
+
+<file path=ppt/slides/slide15.xml><?xml version="1.0" encoding="utf-8"?>
+<p:sld xmlns:a="http://schemas.openxmlformats.org/drawingml/2006/main" xmlns:r="http://schemas.openxmlformats.org/officeDocument/2006/relationships" xmlns:p="http://schemas.openxmlformats.org/presentationml/2006/main">
+  <p:cSld>
+    <p:spTree>
+      <p:nvGrpSpPr>
+        <p:cNvPr id="1" name=""/>
+        <p:cNvGrpSpPr/>
+        <p:nvPr/>
+      </p:nvGrpSpPr>
+      <p:grpSpPr>
+        <a:xfrm>
+          <a:off x="0" y="0"/>
+          <a:ext cx="0" cy="0"/>
+          <a:chOff x="0" y="0"/>
+          <a:chExt cx="0" cy="0"/>
+        </a:xfrm>
+      </p:grpSpPr>
+      <p:sp>
+        <p:nvSpPr>
+          <p:cNvPr id="2" name="Title 1"/>
+          <p:cNvSpPr>
+            <a:spLocks noGrp="1"/>
+          </p:cNvSpPr>
+          <p:nvPr>
+            <p:ph type="title"/>
+          </p:nvPr>
+        </p:nvSpPr>
+        <p:spPr/>
+        <p:txBody>
+          <a:bodyPr/>
+          <a:lstStyle/>
+          <a:p>
+            <a:r>
+              <a:rPr lang="en-US" dirty="0"/>
+              <a:t>Add a Slide Title - 2</a:t>
+            </a:r>
+          </a:p>
+        </p:txBody>
+      </p:sp>
+      <p:sp>
+        <p:nvSpPr>
+          <p:cNvPr id="4" name="Text Placeholder 3"/>
+          <p:cNvSpPr>
+            <a:spLocks noGrp="1"/>
+          </p:cNvSpPr>
+          <p:nvPr>
+            <p:ph type="body" idx="1"/>
+          </p:nvPr>
+        </p:nvSpPr>
+        <p:spPr/>
+        <p:txBody>
+          <a:bodyPr/>
+          <a:lstStyle/>
+          <a:p>
+            <a:endParaRPr lang="en-US"/>
+          </a:p>
+        </p:txBody>
+      </p:sp>
+    </p:spTree>
+    <p:extLst>
+      <p:ext uri="{BB962C8B-B14F-4D97-AF65-F5344CB8AC3E}">
+        <p14:creationId xmlns:p14="http://schemas.microsoft.com/office/powerpoint/2010/main" val="3374778722"/>
+      </p:ext>
+    </p:extLst>
+  </p:cSld>
+  <p:clrMapOvr>
+    <a:masterClrMapping/>
+  </p:clrMapOvr>
+  <mc:AlternateContent xmlns:mc="http://schemas.openxmlformats.org/markup-compatibility/2006" xmlns:p14="http://schemas.microsoft.com/office/powerpoint/2010/main">
+    <mc:Choice Requires="p14">
+      <p:transition spd="med" p14:dur="700">
+        <p:fade/>
+      </p:transition>
+    </mc:Choice>
+    <mc:Fallback xmlns="">
+      <p:transition spd="med">
+        <p:fade/>
+      </p:transition>
+    </mc:Fallback>
+  </mc:AlternateContent>
+</p:sld>
+</file>
+
+<file path=ppt/slides/slide16.xml><?xml version="1.0" encoding="utf-8"?>
+<p:sld xmlns:a="http://schemas.openxmlformats.org/drawingml/2006/main" xmlns:r="http://schemas.openxmlformats.org/officeDocument/2006/relationships" xmlns:p="http://schemas.openxmlformats.org/presentationml/2006/main">
+  <p:cSld>
+    <p:spTree>
+      <p:nvGrpSpPr>
+        <p:cNvPr id="1" name=""/>
+        <p:cNvGrpSpPr/>
+        <p:nvPr/>
+      </p:nvGrpSpPr>
+      <p:grpSpPr>
+        <a:xfrm>
+          <a:off x="0" y="0"/>
+          <a:ext cx="0" cy="0"/>
+          <a:chOff x="0" y="0"/>
+          <a:chExt cx="0" cy="0"/>
+        </a:xfrm>
+      </p:grpSpPr>
+      <p:sp>
+        <p:nvSpPr>
+          <p:cNvPr id="2" name="Title 1"/>
+          <p:cNvSpPr>
+            <a:spLocks noGrp="1"/>
+          </p:cNvSpPr>
+          <p:nvPr>
+            <p:ph type="title"/>
+          </p:nvPr>
+        </p:nvSpPr>
+        <p:spPr/>
+        <p:txBody>
+          <a:bodyPr/>
+          <a:lstStyle/>
+          <a:p>
+            <a:r>
+              <a:rPr lang="en-US" dirty="0"/>
+              <a:t>Add a Slide Title - 3</a:t>
+            </a:r>
+          </a:p>
+        </p:txBody>
+      </p:sp>
+      <p:sp>
+        <p:nvSpPr>
+          <p:cNvPr id="11" name="Text Placeholder 10"/>
+          <p:cNvSpPr>
+            <a:spLocks noGrp="1"/>
+          </p:cNvSpPr>
+          <p:nvPr>
+            <p:ph type="body" idx="1"/>
+          </p:nvPr>
+        </p:nvSpPr>
+        <p:spPr/>
+        <p:txBody>
+          <a:bodyPr/>
+          <a:lstStyle/>
+          <a:p>
+            <a:endParaRPr lang="en-US"/>
+          </a:p>
+        </p:txBody>
+      </p:sp>
+      <p:sp>
+        <p:nvSpPr>
+          <p:cNvPr id="12" name="Content Placeholder 11"/>
+          <p:cNvSpPr>
+            <a:spLocks noGrp="1"/>
+          </p:cNvSpPr>
+          <p:nvPr>
+            <p:ph sz="half" idx="2"/>
+          </p:nvPr>
+        </p:nvSpPr>
+        <p:spPr/>
+        <p:txBody>
+          <a:bodyPr/>
+          <a:lstStyle/>
+          <a:p>
+            <a:endParaRPr lang="en-US"/>
+          </a:p>
+        </p:txBody>
+      </p:sp>
+      <p:sp>
+        <p:nvSpPr>
+          <p:cNvPr id="13" name="Text Placeholder 12"/>
+          <p:cNvSpPr>
+            <a:spLocks noGrp="1"/>
+          </p:cNvSpPr>
+          <p:nvPr>
+            <p:ph type="body" sz="quarter" idx="3"/>
+          </p:nvPr>
+        </p:nvSpPr>
+        <p:spPr/>
+        <p:txBody>
+          <a:bodyPr/>
+          <a:lstStyle/>
+          <a:p>
+            <a:endParaRPr lang="en-US"/>
+          </a:p>
+        </p:txBody>
+      </p:sp>
+      <p:sp>
+        <p:nvSpPr>
+          <p:cNvPr id="14" name="Content Placeholder 13"/>
+          <p:cNvSpPr>
+            <a:spLocks noGrp="1"/>
+          </p:cNvSpPr>
+          <p:nvPr>
+            <p:ph sz="quarter" idx="4"/>
+          </p:nvPr>
+        </p:nvSpPr>
+        <p:spPr/>
+        <p:txBody>
+          <a:bodyPr/>
+          <a:lstStyle/>
+          <a:p>
+            <a:endParaRPr lang="en-US"/>
+          </a:p>
+        </p:txBody>
+      </p:sp>
+    </p:spTree>
+    <p:extLst>
+      <p:ext uri="{BB962C8B-B14F-4D97-AF65-F5344CB8AC3E}">
+        <p14:creationId xmlns:p14="http://schemas.microsoft.com/office/powerpoint/2010/main" val="737118897"/>
       </p:ext>
     </p:extLst>
   </p:cSld>
@@ -16229,34 +15371,15 @@
           <a:p>
             <a:r>
               <a:rPr lang="en-US" dirty="0"/>
-              <a:t>Add a Slide Title - 2</a:t>
+              <a:t>Add a Slide Title - 4</a:t>
             </a:r>
-          </a:p>
-        </p:txBody>
-      </p:sp>
-      <p:sp>
-        <p:nvSpPr>
-          <p:cNvPr id="4" name="Text Placeholder 3"/>
-          <p:cNvSpPr>
-            <a:spLocks noGrp="1"/>
-          </p:cNvSpPr>
-          <p:nvPr>
-            <p:ph type="body" idx="1"/>
-          </p:nvPr>
-        </p:nvSpPr>
-        <p:spPr/>
-        <p:txBody>
-          <a:bodyPr/>
-          <a:lstStyle/>
-          <a:p>
-            <a:endParaRPr lang="en-US"/>
           </a:p>
         </p:txBody>
       </p:sp>
     </p:spTree>
     <p:extLst>
       <p:ext uri="{BB962C8B-B14F-4D97-AF65-F5344CB8AC3E}">
-        <p14:creationId xmlns:p14="http://schemas.microsoft.com/office/powerpoint/2010/main" val="3374778722"/>
+        <p14:creationId xmlns:p14="http://schemas.microsoft.com/office/powerpoint/2010/main" val="3061729273"/>
       </p:ext>
     </p:extLst>
   </p:cSld>
@@ -16295,108 +15418,10 @@
           <a:chExt cx="0" cy="0"/>
         </a:xfrm>
       </p:grpSpPr>
-      <p:sp>
-        <p:nvSpPr>
-          <p:cNvPr id="2" name="Title 1"/>
-          <p:cNvSpPr>
-            <a:spLocks noGrp="1"/>
-          </p:cNvSpPr>
-          <p:nvPr>
-            <p:ph type="title"/>
-          </p:nvPr>
-        </p:nvSpPr>
-        <p:spPr/>
-        <p:txBody>
-          <a:bodyPr/>
-          <a:lstStyle/>
-          <a:p>
-            <a:r>
-              <a:rPr lang="en-US" dirty="0"/>
-              <a:t>Add a Slide Title - 3</a:t>
-            </a:r>
-          </a:p>
-        </p:txBody>
-      </p:sp>
-      <p:sp>
-        <p:nvSpPr>
-          <p:cNvPr id="11" name="Text Placeholder 10"/>
-          <p:cNvSpPr>
-            <a:spLocks noGrp="1"/>
-          </p:cNvSpPr>
-          <p:nvPr>
-            <p:ph type="body" idx="1"/>
-          </p:nvPr>
-        </p:nvSpPr>
-        <p:spPr/>
-        <p:txBody>
-          <a:bodyPr/>
-          <a:lstStyle/>
-          <a:p>
-            <a:endParaRPr lang="en-US"/>
-          </a:p>
-        </p:txBody>
-      </p:sp>
-      <p:sp>
-        <p:nvSpPr>
-          <p:cNvPr id="12" name="Content Placeholder 11"/>
-          <p:cNvSpPr>
-            <a:spLocks noGrp="1"/>
-          </p:cNvSpPr>
-          <p:nvPr>
-            <p:ph sz="half" idx="2"/>
-          </p:nvPr>
-        </p:nvSpPr>
-        <p:spPr/>
-        <p:txBody>
-          <a:bodyPr/>
-          <a:lstStyle/>
-          <a:p>
-            <a:endParaRPr lang="en-US"/>
-          </a:p>
-        </p:txBody>
-      </p:sp>
-      <p:sp>
-        <p:nvSpPr>
-          <p:cNvPr id="13" name="Text Placeholder 12"/>
-          <p:cNvSpPr>
-            <a:spLocks noGrp="1"/>
-          </p:cNvSpPr>
-          <p:nvPr>
-            <p:ph type="body" sz="quarter" idx="3"/>
-          </p:nvPr>
-        </p:nvSpPr>
-        <p:spPr/>
-        <p:txBody>
-          <a:bodyPr/>
-          <a:lstStyle/>
-          <a:p>
-            <a:endParaRPr lang="en-US"/>
-          </a:p>
-        </p:txBody>
-      </p:sp>
-      <p:sp>
-        <p:nvSpPr>
-          <p:cNvPr id="14" name="Content Placeholder 13"/>
-          <p:cNvSpPr>
-            <a:spLocks noGrp="1"/>
-          </p:cNvSpPr>
-          <p:nvPr>
-            <p:ph sz="quarter" idx="4"/>
-          </p:nvPr>
-        </p:nvSpPr>
-        <p:spPr/>
-        <p:txBody>
-          <a:bodyPr/>
-          <a:lstStyle/>
-          <a:p>
-            <a:endParaRPr lang="en-US"/>
-          </a:p>
-        </p:txBody>
-      </p:sp>
     </p:spTree>
     <p:extLst>
       <p:ext uri="{BB962C8B-B14F-4D97-AF65-F5344CB8AC3E}">
-        <p14:creationId xmlns:p14="http://schemas.microsoft.com/office/powerpoint/2010/main" val="737118897"/>
+        <p14:creationId xmlns:p14="http://schemas.microsoft.com/office/powerpoint/2010/main" val="1455343978"/>
       </p:ext>
     </p:extLst>
   </p:cSld>
@@ -16452,15 +15477,53 @@
           <a:p>
             <a:r>
               <a:rPr lang="en-US" dirty="0"/>
-              <a:t>Add a Slide Title - 4</a:t>
+              <a:t>Add a Slide Title - 5</a:t>
             </a:r>
+          </a:p>
+        </p:txBody>
+      </p:sp>
+      <p:sp>
+        <p:nvSpPr>
+          <p:cNvPr id="5" name="Content Placeholder 4"/>
+          <p:cNvSpPr>
+            <a:spLocks noGrp="1"/>
+          </p:cNvSpPr>
+          <p:nvPr>
+            <p:ph idx="1"/>
+          </p:nvPr>
+        </p:nvSpPr>
+        <p:spPr/>
+        <p:txBody>
+          <a:bodyPr/>
+          <a:lstStyle/>
+          <a:p>
+            <a:endParaRPr lang="en-US"/>
+          </a:p>
+        </p:txBody>
+      </p:sp>
+      <p:sp>
+        <p:nvSpPr>
+          <p:cNvPr id="6" name="Text Placeholder 5"/>
+          <p:cNvSpPr>
+            <a:spLocks noGrp="1"/>
+          </p:cNvSpPr>
+          <p:nvPr>
+            <p:ph type="body" sz="half" idx="2"/>
+          </p:nvPr>
+        </p:nvSpPr>
+        <p:spPr/>
+        <p:txBody>
+          <a:bodyPr/>
+          <a:lstStyle/>
+          <a:p>
+            <a:endParaRPr lang="en-US"/>
           </a:p>
         </p:txBody>
       </p:sp>
     </p:spTree>
     <p:extLst>
       <p:ext uri="{BB962C8B-B14F-4D97-AF65-F5344CB8AC3E}">
-        <p14:creationId xmlns:p14="http://schemas.microsoft.com/office/powerpoint/2010/main" val="3061729273"/>
+        <p14:creationId xmlns:p14="http://schemas.microsoft.com/office/powerpoint/2010/main" val="332843759"/>
       </p:ext>
     </p:extLst>
   </p:cSld>
@@ -16538,19 +15601,19 @@
           <a:p>
             <a:r>
               <a:rPr lang="en-US" dirty="0"/>
-              <a:t>Business Case Introduction - _________ (2 min)</a:t>
+              <a:t>Business Case Introduction - Grey </a:t>
             </a:r>
           </a:p>
           <a:p>
             <a:r>
               <a:rPr lang="en-US" dirty="0"/>
-              <a:t>Analysis - _____________(4 min)</a:t>
+              <a:t>Analysis – Dawn </a:t>
             </a:r>
           </a:p>
           <a:p>
             <a:r>
               <a:rPr lang="en-US" dirty="0"/>
-              <a:t>Conclusion - _____________(2 min)</a:t>
+              <a:t>Conclusion – David</a:t>
             </a:r>
           </a:p>
         </p:txBody>
@@ -16597,150 +15660,6 @@
           <a:chExt cx="0" cy="0"/>
         </a:xfrm>
       </p:grpSpPr>
-    </p:spTree>
-    <p:extLst>
-      <p:ext uri="{BB962C8B-B14F-4D97-AF65-F5344CB8AC3E}">
-        <p14:creationId xmlns:p14="http://schemas.microsoft.com/office/powerpoint/2010/main" val="1455343978"/>
-      </p:ext>
-    </p:extLst>
-  </p:cSld>
-  <p:clrMapOvr>
-    <a:masterClrMapping/>
-  </p:clrMapOvr>
-  <mc:AlternateContent xmlns:mc="http://schemas.openxmlformats.org/markup-compatibility/2006" xmlns:p14="http://schemas.microsoft.com/office/powerpoint/2010/main">
-    <mc:Choice Requires="p14">
-      <p:transition spd="med" p14:dur="700">
-        <p:fade/>
-      </p:transition>
-    </mc:Choice>
-    <mc:Fallback xmlns="">
-      <p:transition spd="med">
-        <p:fade/>
-      </p:transition>
-    </mc:Fallback>
-  </mc:AlternateContent>
-</p:sld>
-</file>
-
-<file path=ppt/slides/slide21.xml><?xml version="1.0" encoding="utf-8"?>
-<p:sld xmlns:a="http://schemas.openxmlformats.org/drawingml/2006/main" xmlns:r="http://schemas.openxmlformats.org/officeDocument/2006/relationships" xmlns:p="http://schemas.openxmlformats.org/presentationml/2006/main">
-  <p:cSld>
-    <p:spTree>
-      <p:nvGrpSpPr>
-        <p:cNvPr id="1" name=""/>
-        <p:cNvGrpSpPr/>
-        <p:nvPr/>
-      </p:nvGrpSpPr>
-      <p:grpSpPr>
-        <a:xfrm>
-          <a:off x="0" y="0"/>
-          <a:ext cx="0" cy="0"/>
-          <a:chOff x="0" y="0"/>
-          <a:chExt cx="0" cy="0"/>
-        </a:xfrm>
-      </p:grpSpPr>
-      <p:sp>
-        <p:nvSpPr>
-          <p:cNvPr id="2" name="Title 1"/>
-          <p:cNvSpPr>
-            <a:spLocks noGrp="1"/>
-          </p:cNvSpPr>
-          <p:nvPr>
-            <p:ph type="title"/>
-          </p:nvPr>
-        </p:nvSpPr>
-        <p:spPr/>
-        <p:txBody>
-          <a:bodyPr/>
-          <a:lstStyle/>
-          <a:p>
-            <a:r>
-              <a:rPr lang="en-US" dirty="0"/>
-              <a:t>Add a Slide Title - 5</a:t>
-            </a:r>
-          </a:p>
-        </p:txBody>
-      </p:sp>
-      <p:sp>
-        <p:nvSpPr>
-          <p:cNvPr id="5" name="Content Placeholder 4"/>
-          <p:cNvSpPr>
-            <a:spLocks noGrp="1"/>
-          </p:cNvSpPr>
-          <p:nvPr>
-            <p:ph idx="1"/>
-          </p:nvPr>
-        </p:nvSpPr>
-        <p:spPr/>
-        <p:txBody>
-          <a:bodyPr/>
-          <a:lstStyle/>
-          <a:p>
-            <a:endParaRPr lang="en-US"/>
-          </a:p>
-        </p:txBody>
-      </p:sp>
-      <p:sp>
-        <p:nvSpPr>
-          <p:cNvPr id="6" name="Text Placeholder 5"/>
-          <p:cNvSpPr>
-            <a:spLocks noGrp="1"/>
-          </p:cNvSpPr>
-          <p:nvPr>
-            <p:ph type="body" sz="half" idx="2"/>
-          </p:nvPr>
-        </p:nvSpPr>
-        <p:spPr/>
-        <p:txBody>
-          <a:bodyPr/>
-          <a:lstStyle/>
-          <a:p>
-            <a:endParaRPr lang="en-US"/>
-          </a:p>
-        </p:txBody>
-      </p:sp>
-    </p:spTree>
-    <p:extLst>
-      <p:ext uri="{BB962C8B-B14F-4D97-AF65-F5344CB8AC3E}">
-        <p14:creationId xmlns:p14="http://schemas.microsoft.com/office/powerpoint/2010/main" val="332843759"/>
-      </p:ext>
-    </p:extLst>
-  </p:cSld>
-  <p:clrMapOvr>
-    <a:masterClrMapping/>
-  </p:clrMapOvr>
-  <mc:AlternateContent xmlns:mc="http://schemas.openxmlformats.org/markup-compatibility/2006" xmlns:p14="http://schemas.microsoft.com/office/powerpoint/2010/main">
-    <mc:Choice Requires="p14">
-      <p:transition spd="med" p14:dur="700">
-        <p:fade/>
-      </p:transition>
-    </mc:Choice>
-    <mc:Fallback xmlns="">
-      <p:transition spd="med">
-        <p:fade/>
-      </p:transition>
-    </mc:Fallback>
-  </mc:AlternateContent>
-</p:sld>
-</file>
-
-<file path=ppt/slides/slide22.xml><?xml version="1.0" encoding="utf-8"?>
-<p:sld xmlns:a="http://schemas.openxmlformats.org/drawingml/2006/main" xmlns:r="http://schemas.openxmlformats.org/officeDocument/2006/relationships" xmlns:p="http://schemas.openxmlformats.org/presentationml/2006/main">
-  <p:cSld>
-    <p:spTree>
-      <p:nvGrpSpPr>
-        <p:cNvPr id="1" name=""/>
-        <p:cNvGrpSpPr/>
-        <p:nvPr/>
-      </p:nvGrpSpPr>
-      <p:grpSpPr>
-        <a:xfrm>
-          <a:off x="0" y="0"/>
-          <a:ext cx="0" cy="0"/>
-          <a:chOff x="0" y="0"/>
-          <a:chExt cx="0" cy="0"/>
-        </a:xfrm>
-      </p:grpSpPr>
       <p:sp>
         <p:nvSpPr>
           <p:cNvPr id="2" name="Title 1"/>
@@ -16819,7 +15738,7 @@
 </p:sld>
 </file>
 
-<file path=ppt/slides/slide23.xml><?xml version="1.0" encoding="utf-8"?>
+<file path=ppt/slides/slide21.xml><?xml version="1.0" encoding="utf-8"?>
 <p:sld xmlns:a="http://schemas.openxmlformats.org/drawingml/2006/main" xmlns:r="http://schemas.openxmlformats.org/officeDocument/2006/relationships" xmlns:p="http://schemas.openxmlformats.org/presentationml/2006/main">
   <p:cSld>
     <p:spTree>
@@ -17115,13 +16034,13 @@
   <p:clrMapOvr>
     <a:masterClrMapping/>
   </p:clrMapOvr>
-  <mc:AlternateContent xmlns:mc="http://schemas.openxmlformats.org/markup-compatibility/2006">
-    <mc:Choice xmlns:p14="http://schemas.microsoft.com/office/powerpoint/2010/main" Requires="p14">
+  <mc:AlternateContent xmlns:mc="http://schemas.openxmlformats.org/markup-compatibility/2006" xmlns:p14="http://schemas.microsoft.com/office/powerpoint/2010/main">
+    <mc:Choice Requires="p14">
       <p:transition spd="med" p14:dur="700">
         <p:fade/>
       </p:transition>
     </mc:Choice>
-    <mc:Fallback>
+    <mc:Fallback xmlns="">
       <p:transition spd="med">
         <p:fade/>
       </p:transition>
@@ -17131,190 +16050,6 @@
 </file>
 
 <file path=ppt/slides/slide4.xml><?xml version="1.0" encoding="utf-8"?>
-<p:sld xmlns:a="http://schemas.openxmlformats.org/drawingml/2006/main" xmlns:r="http://schemas.openxmlformats.org/officeDocument/2006/relationships" xmlns:p="http://schemas.openxmlformats.org/presentationml/2006/main">
-  <p:cSld>
-    <p:spTree>
-      <p:nvGrpSpPr>
-        <p:cNvPr id="1" name=""/>
-        <p:cNvGrpSpPr/>
-        <p:nvPr/>
-      </p:nvGrpSpPr>
-      <p:grpSpPr>
-        <a:xfrm>
-          <a:off x="0" y="0"/>
-          <a:ext cx="0" cy="0"/>
-          <a:chOff x="0" y="0"/>
-          <a:chExt cx="0" cy="0"/>
-        </a:xfrm>
-      </p:grpSpPr>
-      <p:sp>
-        <p:nvSpPr>
-          <p:cNvPr id="2" name="Title 1"/>
-          <p:cNvSpPr>
-            <a:spLocks noGrp="1"/>
-          </p:cNvSpPr>
-          <p:nvPr>
-            <p:ph type="title"/>
-          </p:nvPr>
-        </p:nvSpPr>
-        <p:spPr/>
-        <p:txBody>
-          <a:bodyPr/>
-          <a:lstStyle/>
-          <a:p>
-            <a:r>
-              <a:rPr lang="en-US" dirty="0"/>
-              <a:t>Analysis Approach</a:t>
-            </a:r>
-          </a:p>
-        </p:txBody>
-      </p:sp>
-      <p:sp>
-        <p:nvSpPr>
-          <p:cNvPr id="3" name="Content Placeholder 2"/>
-          <p:cNvSpPr>
-            <a:spLocks noGrp="1"/>
-          </p:cNvSpPr>
-          <p:nvPr>
-            <p:ph idx="1"/>
-          </p:nvPr>
-        </p:nvSpPr>
-        <p:spPr/>
-        <p:txBody>
-          <a:bodyPr>
-            <a:normAutofit/>
-          </a:bodyPr>
-          <a:lstStyle/>
-          <a:p>
-            <a:pPr marL="0" indent="0">
-              <a:buNone/>
-            </a:pPr>
-            <a:r>
-              <a:rPr lang="en-US" sz="2000" b="1" dirty="0">
-                <a:effectLst/>
-                <a:latin typeface="Calibri" panose="020F0502020204030204" pitchFamily="34" charset="0"/>
-                <a:ea typeface="Times New Roman" panose="02020603050405020304" pitchFamily="18" charset="0"/>
-                <a:cs typeface="Calibri" panose="020F0502020204030204" pitchFamily="34" charset="0"/>
-              </a:rPr>
-              <a:t>Business Development: </a:t>
-            </a:r>
-            <a:r>
-              <a:rPr lang="en-US" sz="2000" dirty="0">
-                <a:effectLst/>
-                <a:latin typeface="Calibri" panose="020F0502020204030204" pitchFamily="34" charset="0"/>
-                <a:ea typeface="Times New Roman" panose="02020603050405020304" pitchFamily="18" charset="0"/>
-                <a:cs typeface="Calibri" panose="020F0502020204030204" pitchFamily="34" charset="0"/>
-              </a:rPr>
-              <a:t>In 2017 an entrepreneur wanted to open a brewery in the United States, USA.  She needed to determine the top five styles of beer that contains the highest alcohol by volume (ABV) should be produced.  A competitive location was identified by finding the top five states with the least number of competitors producing those beers in that state.  She analyzed 2,410 US craft beers and 510 US breweries.</a:t>
-            </a:r>
-          </a:p>
-          <a:p>
-            <a:pPr marL="0" marR="0" lvl="0" indent="0">
-              <a:lnSpc>
-                <a:spcPct val="107000"/>
-              </a:lnSpc>
-              <a:spcBef>
-                <a:spcPts val="0"/>
-              </a:spcBef>
-              <a:spcAft>
-                <a:spcPts val="0"/>
-              </a:spcAft>
-              <a:buNone/>
-            </a:pPr>
-            <a:endParaRPr lang="en-US" sz="2000" dirty="0">
-              <a:latin typeface="Calibri" panose="020F0502020204030204" pitchFamily="34" charset="0"/>
-              <a:ea typeface="Times New Roman" panose="02020603050405020304" pitchFamily="18" charset="0"/>
-              <a:cs typeface="Calibri" panose="020F0502020204030204" pitchFamily="34" charset="0"/>
-            </a:endParaRPr>
-          </a:p>
-          <a:p>
-            <a:pPr marL="0" marR="0" lvl="0" indent="0">
-              <a:lnSpc>
-                <a:spcPct val="107000"/>
-              </a:lnSpc>
-              <a:spcBef>
-                <a:spcPts val="0"/>
-              </a:spcBef>
-              <a:spcAft>
-                <a:spcPts val="0"/>
-              </a:spcAft>
-              <a:buNone/>
-            </a:pPr>
-            <a:r>
-              <a:rPr lang="en-US" sz="2000" b="1" dirty="0">
-                <a:latin typeface="Calibri" panose="020F0502020204030204" pitchFamily="34" charset="0"/>
-                <a:ea typeface="Times New Roman" panose="02020603050405020304" pitchFamily="18" charset="0"/>
-                <a:cs typeface="Calibri" panose="020F0502020204030204" pitchFamily="34" charset="0"/>
-              </a:rPr>
-              <a:t>Hypotheses:</a:t>
-            </a:r>
-            <a:r>
-              <a:rPr lang="en-US" sz="2000" dirty="0">
-                <a:latin typeface="Calibri" panose="020F0502020204030204" pitchFamily="34" charset="0"/>
-                <a:ea typeface="Times New Roman" panose="02020603050405020304" pitchFamily="18" charset="0"/>
-                <a:cs typeface="Calibri" panose="020F0502020204030204" pitchFamily="34" charset="0"/>
-              </a:rPr>
-              <a:t> </a:t>
-            </a:r>
-            <a:r>
-              <a:rPr lang="en-US" sz="2000" dirty="0">
-                <a:effectLst/>
-                <a:latin typeface="Calibri" panose="020F0502020204030204" pitchFamily="34" charset="0"/>
-                <a:ea typeface="Times New Roman" panose="02020603050405020304" pitchFamily="18" charset="0"/>
-                <a:cs typeface="Calibri" panose="020F0502020204030204" pitchFamily="34" charset="0"/>
-              </a:rPr>
-              <a:t>  </a:t>
-            </a:r>
-            <a:r>
-              <a:rPr lang="en-US" sz="1800" dirty="0">
-                <a:effectLst/>
-                <a:latin typeface="Calibri" panose="020F0502020204030204" pitchFamily="34" charset="0"/>
-                <a:ea typeface="Times New Roman" panose="02020603050405020304" pitchFamily="18" charset="0"/>
-                <a:cs typeface="Calibri" panose="020F0502020204030204" pitchFamily="34" charset="0"/>
-              </a:rPr>
-              <a:t>She assumes the beer with the highest alcohol by volume (ABV) is the most profitable.  </a:t>
-            </a:r>
-            <a:endParaRPr lang="en-US" sz="2000" dirty="0">
-              <a:effectLst/>
-              <a:latin typeface="Calibri" panose="020F0502020204030204" pitchFamily="34" charset="0"/>
-              <a:ea typeface="Calibri" panose="020F0502020204030204" pitchFamily="34" charset="0"/>
-              <a:cs typeface="Times New Roman" panose="02020603050405020304" pitchFamily="18" charset="0"/>
-            </a:endParaRPr>
-          </a:p>
-          <a:p>
-            <a:pPr marL="0" indent="0">
-              <a:buNone/>
-            </a:pPr>
-            <a:endParaRPr lang="en-US" dirty="0"/>
-          </a:p>
-        </p:txBody>
-      </p:sp>
-    </p:spTree>
-    <p:extLst>
-      <p:ext uri="{BB962C8B-B14F-4D97-AF65-F5344CB8AC3E}">
-        <p14:creationId xmlns:p14="http://schemas.microsoft.com/office/powerpoint/2010/main" val="49023410"/>
-      </p:ext>
-    </p:extLst>
-  </p:cSld>
-  <p:clrMapOvr>
-    <a:masterClrMapping/>
-  </p:clrMapOvr>
-  <mc:AlternateContent xmlns:mc="http://schemas.openxmlformats.org/markup-compatibility/2006">
-    <mc:Choice xmlns:p14="http://schemas.microsoft.com/office/powerpoint/2010/main" Requires="p14">
-      <p:transition spd="med" p14:dur="700">
-        <p:fade/>
-      </p:transition>
-    </mc:Choice>
-    <mc:Fallback>
-      <p:transition spd="med">
-        <p:fade/>
-      </p:transition>
-    </mc:Fallback>
-  </mc:AlternateContent>
-</p:sld>
-</file>
-
-<file path=ppt/slides/slide5.xml><?xml version="1.0" encoding="utf-8"?>
 <p:sld xmlns:a="http://schemas.openxmlformats.org/drawingml/2006/main" xmlns:r="http://schemas.openxmlformats.org/officeDocument/2006/relationships" xmlns:p="http://schemas.openxmlformats.org/presentationml/2006/main">
   <p:cSld>
     <p:spTree>
@@ -17411,6 +16146,101 @@
 </p:sld>
 </file>
 
+<file path=ppt/slides/slide5.xml><?xml version="1.0" encoding="utf-8"?>
+<p:sld xmlns:a="http://schemas.openxmlformats.org/drawingml/2006/main" xmlns:r="http://schemas.openxmlformats.org/officeDocument/2006/relationships" xmlns:p="http://schemas.openxmlformats.org/presentationml/2006/main">
+  <p:cSld>
+    <p:spTree>
+      <p:nvGrpSpPr>
+        <p:cNvPr id="1" name=""/>
+        <p:cNvGrpSpPr/>
+        <p:nvPr/>
+      </p:nvGrpSpPr>
+      <p:grpSpPr>
+        <a:xfrm>
+          <a:off x="0" y="0"/>
+          <a:ext cx="0" cy="0"/>
+          <a:chOff x="0" y="0"/>
+          <a:chExt cx="0" cy="0"/>
+        </a:xfrm>
+      </p:grpSpPr>
+      <p:sp>
+        <p:nvSpPr>
+          <p:cNvPr id="2" name="Title 1"/>
+          <p:cNvSpPr>
+            <a:spLocks noGrp="1"/>
+          </p:cNvSpPr>
+          <p:nvPr>
+            <p:ph type="title"/>
+          </p:nvPr>
+        </p:nvSpPr>
+        <p:spPr/>
+        <p:txBody>
+          <a:bodyPr/>
+          <a:lstStyle/>
+          <a:p>
+            <a:pPr algn="ctr"/>
+            <a:r>
+              <a:rPr lang="en-US" dirty="0"/>
+              <a:t>Most Brewed Style of Beer</a:t>
+            </a:r>
+          </a:p>
+        </p:txBody>
+      </p:sp>
+      <p:pic>
+        <p:nvPicPr>
+          <p:cNvPr id="4" name="Picture 3" descr="Chart, bar chart&#10;&#10;Description automatically generated">
+            <a:extLst>
+              <a:ext uri="{FF2B5EF4-FFF2-40B4-BE49-F238E27FC236}">
+                <a16:creationId xmlns:a16="http://schemas.microsoft.com/office/drawing/2014/main" id="{AA36052D-97CF-4EC6-AE56-17A5A0E42801}"/>
+              </a:ext>
+            </a:extLst>
+          </p:cNvPr>
+          <p:cNvPicPr>
+            <a:picLocks noChangeAspect="1"/>
+          </p:cNvPicPr>
+          <p:nvPr/>
+        </p:nvPicPr>
+        <p:blipFill>
+          <a:blip r:embed="rId2"/>
+          <a:stretch>
+            <a:fillRect/>
+          </a:stretch>
+        </p:blipFill>
+        <p:spPr>
+          <a:xfrm>
+            <a:off x="3166653" y="1828800"/>
+            <a:ext cx="5858693" cy="4020111"/>
+          </a:xfrm>
+          <a:prstGeom prst="rect">
+            <a:avLst/>
+          </a:prstGeom>
+        </p:spPr>
+      </p:pic>
+    </p:spTree>
+    <p:extLst>
+      <p:ext uri="{BB962C8B-B14F-4D97-AF65-F5344CB8AC3E}">
+        <p14:creationId xmlns:p14="http://schemas.microsoft.com/office/powerpoint/2010/main" val="3751628259"/>
+      </p:ext>
+    </p:extLst>
+  </p:cSld>
+  <p:clrMapOvr>
+    <a:masterClrMapping/>
+  </p:clrMapOvr>
+  <mc:AlternateContent xmlns:mc="http://schemas.openxmlformats.org/markup-compatibility/2006" xmlns:p14="http://schemas.microsoft.com/office/powerpoint/2010/main">
+    <mc:Choice Requires="p14">
+      <p:transition spd="med" p14:dur="700">
+        <p:fade/>
+      </p:transition>
+    </mc:Choice>
+    <mc:Fallback xmlns="">
+      <p:transition spd="med">
+        <p:fade/>
+      </p:transition>
+    </mc:Fallback>
+  </mc:AlternateContent>
+</p:sld>
+</file>
+
 <file path=ppt/slides/slide6.xml><?xml version="1.0" encoding="utf-8"?>
 <p:sld xmlns:a="http://schemas.openxmlformats.org/drawingml/2006/main" xmlns:r="http://schemas.openxmlformats.org/officeDocument/2006/relationships" xmlns:p="http://schemas.openxmlformats.org/presentationml/2006/main">
   <p:cSld>
@@ -17443,47 +16273,37 @@
           <a:bodyPr/>
           <a:lstStyle/>
           <a:p>
-            <a:pPr algn="ctr"/>
             <a:r>
               <a:rPr lang="en-US" dirty="0"/>
-              <a:t>Breweries by State</a:t>
+              <a:t>Title and Content Layout with Chart</a:t>
             </a:r>
           </a:p>
         </p:txBody>
       </p:sp>
-      <p:pic>
-        <p:nvPicPr>
-          <p:cNvPr id="7" name="Content Placeholder 6" descr="Histogram&#10;&#10;Description automatically generated">
-            <a:extLst>
-              <a:ext uri="{FF2B5EF4-FFF2-40B4-BE49-F238E27FC236}">
-                <a16:creationId xmlns:a16="http://schemas.microsoft.com/office/drawing/2014/main" id="{87609F1E-F69C-416E-9E4D-C008D5B84317}"/>
-              </a:ext>
-            </a:extLst>
-          </p:cNvPr>
-          <p:cNvPicPr>
-            <a:picLocks noGrp="1" noChangeAspect="1"/>
-          </p:cNvPicPr>
+      <p:graphicFrame>
+        <p:nvGraphicFramePr>
+          <p:cNvPr id="6" name="Content Placeholder 5" descr="Clustered column chart representing&#10;3 series combination chart for 4 categories"/>
+          <p:cNvGraphicFramePr>
+            <a:graphicFrameLocks noGrp="1"/>
+          </p:cNvGraphicFramePr>
           <p:nvPr>
             <p:ph idx="1"/>
           </p:nvPr>
-        </p:nvPicPr>
-        <p:blipFill>
-          <a:blip r:embed="rId2"/>
-          <a:stretch>
-            <a:fillRect/>
-          </a:stretch>
-        </p:blipFill>
-        <p:spPr>
-          <a:xfrm>
-            <a:off x="3190469" y="2361971"/>
-            <a:ext cx="5811061" cy="3277057"/>
-          </a:xfrm>
-        </p:spPr>
-      </p:pic>
+        </p:nvGraphicFramePr>
+        <p:xfrm>
+          <a:off x="1295400" y="1828800"/>
+          <a:ext cx="9601200" cy="4343400"/>
+        </p:xfrm>
+        <a:graphic>
+          <a:graphicData uri="http://schemas.openxmlformats.org/drawingml/2006/chart">
+            <c:chart xmlns:c="http://schemas.openxmlformats.org/drawingml/2006/chart" xmlns:r="http://schemas.openxmlformats.org/officeDocument/2006/relationships" r:id="rId2"/>
+          </a:graphicData>
+        </a:graphic>
+      </p:graphicFrame>
     </p:spTree>
     <p:extLst>
       <p:ext uri="{BB962C8B-B14F-4D97-AF65-F5344CB8AC3E}">
-        <p14:creationId xmlns:p14="http://schemas.microsoft.com/office/powerpoint/2010/main" val="3751628259"/>
+        <p14:creationId xmlns:p14="http://schemas.microsoft.com/office/powerpoint/2010/main" val="147951608"/>
       </p:ext>
     </p:extLst>
   </p:cSld>
@@ -17567,7 +16387,7 @@
     </p:spTree>
     <p:extLst>
       <p:ext uri="{BB962C8B-B14F-4D97-AF65-F5344CB8AC3E}">
-        <p14:creationId xmlns:p14="http://schemas.microsoft.com/office/powerpoint/2010/main" val="1768892153"/>
+        <p14:creationId xmlns:p14="http://schemas.microsoft.com/office/powerpoint/2010/main" val="1515987278"/>
       </p:ext>
     </p:extLst>
   </p:cSld>
@@ -17651,7 +16471,7 @@
     </p:spTree>
     <p:extLst>
       <p:ext uri="{BB962C8B-B14F-4D97-AF65-F5344CB8AC3E}">
-        <p14:creationId xmlns:p14="http://schemas.microsoft.com/office/powerpoint/2010/main" val="147951608"/>
+        <p14:creationId xmlns:p14="http://schemas.microsoft.com/office/powerpoint/2010/main" val="3453114302"/>
       </p:ext>
     </p:extLst>
   </p:cSld>
@@ -17735,7 +16555,7 @@
     </p:spTree>
     <p:extLst>
       <p:ext uri="{BB962C8B-B14F-4D97-AF65-F5344CB8AC3E}">
-        <p14:creationId xmlns:p14="http://schemas.microsoft.com/office/powerpoint/2010/main" val="1515987278"/>
+        <p14:creationId xmlns:p14="http://schemas.microsoft.com/office/powerpoint/2010/main" val="606315968"/>
       </p:ext>
     </p:extLst>
   </p:cSld>
